--- a/loadbal-2.pptx
+++ b/loadbal-2.pptx
@@ -8,7 +8,7 @@
     <p:notesMasterId r:id="rId3"/>
   </p:notesMasterIdLst>
   <p:sldIdLst>
-    <p:sldId id="256" r:id="rId2"/>
+    <p:sldId id="257" r:id="rId2"/>
   </p:sldIdLst>
   <p:sldSz cx="9144000" cy="6858000" type="screen4x3"/>
   <p:notesSz cx="6858000" cy="9144000"/>
@@ -3534,13 +3534,13 @@
       </p:grpSpPr>
       <p:sp>
         <p:nvSpPr>
-          <p:cNvPr id="2" name="Oval 1"/>
+          <p:cNvPr id="53" name="Oval 52"/>
           <p:cNvSpPr/>
           <p:nvPr/>
         </p:nvSpPr>
         <p:spPr>
           <a:xfrm>
-            <a:off x="2271354" y="341420"/>
+            <a:off x="2108533" y="334946"/>
             <a:ext cx="2029301" cy="2016224"/>
           </a:xfrm>
           <a:prstGeom prst="ellipse">
@@ -3582,14 +3582,14 @@
       </p:sp>
       <p:cxnSp>
         <p:nvCxnSpPr>
-          <p:cNvPr id="7" name="Straight Arrow Connector 6"/>
+          <p:cNvPr id="54" name="Straight Arrow Connector 53"/>
           <p:cNvCxnSpPr/>
           <p:nvPr/>
         </p:nvCxnSpPr>
         <p:spPr>
           <a:xfrm>
-            <a:off x="1239164" y="3229616"/>
-            <a:ext cx="7056784" cy="0"/>
+            <a:off x="1076343" y="3223142"/>
+            <a:ext cx="7209479" cy="0"/>
           </a:xfrm>
           <a:prstGeom prst="straightConnector1">
             <a:avLst/>
@@ -3618,13 +3618,13 @@
       </p:cxnSp>
       <p:sp>
         <p:nvSpPr>
-          <p:cNvPr id="15" name="Rectangle 14"/>
+          <p:cNvPr id="74" name="Rectangle 73"/>
           <p:cNvSpPr/>
           <p:nvPr/>
         </p:nvSpPr>
         <p:spPr>
           <a:xfrm>
-            <a:off x="1637019" y="3434932"/>
+            <a:off x="1474198" y="3428458"/>
             <a:ext cx="1985425" cy="2904244"/>
           </a:xfrm>
           <a:prstGeom prst="rect">
@@ -3668,13 +3668,13 @@
       </p:sp>
       <p:sp>
         <p:nvSpPr>
-          <p:cNvPr id="16" name="TextBox 15"/>
+          <p:cNvPr id="75" name="TextBox 74"/>
           <p:cNvSpPr txBox="1"/>
           <p:nvPr/>
         </p:nvSpPr>
         <p:spPr>
           <a:xfrm>
-            <a:off x="8313146" y="2998783"/>
+            <a:off x="8285822" y="3004444"/>
             <a:ext cx="729687" cy="461665"/>
           </a:xfrm>
           <a:prstGeom prst="rect">
@@ -3704,13 +3704,13 @@
       </p:sp>
       <p:sp>
         <p:nvSpPr>
-          <p:cNvPr id="34" name="TextBox 33"/>
+          <p:cNvPr id="76" name="TextBox 75"/>
           <p:cNvSpPr txBox="1"/>
           <p:nvPr/>
         </p:nvSpPr>
         <p:spPr>
           <a:xfrm>
-            <a:off x="2319166" y="1057143"/>
+            <a:off x="2156345" y="1050669"/>
             <a:ext cx="1989647" cy="538609"/>
           </a:xfrm>
           <a:prstGeom prst="rect">
@@ -3740,63 +3740,248 @@
       </p:sp>
       <p:sp>
         <p:nvSpPr>
-          <p:cNvPr id="23" name="Freeform 22"/>
+          <p:cNvPr id="77" name="TextBox 76"/>
+          <p:cNvSpPr txBox="1"/>
+          <p:nvPr/>
+        </p:nvSpPr>
+        <p:spPr>
+          <a:xfrm>
+            <a:off x="1571892" y="5889573"/>
+            <a:ext cx="1789272" cy="461665"/>
+          </a:xfrm>
+          <a:prstGeom prst="rect">
+            <a:avLst/>
+          </a:prstGeom>
+          <a:noFill/>
+        </p:spPr>
+        <p:txBody>
+          <a:bodyPr wrap="none" rtlCol="0">
+            <a:spAutoFit/>
+          </a:bodyPr>
+          <a:lstStyle/>
+          <a:p>
+            <a:r>
+              <a:rPr lang="de-CH" sz="2400" dirty="0" smtClean="0">
+                <a:latin typeface="Times New Roman" panose="02020603050405020304" pitchFamily="18" charset="0"/>
+                <a:cs typeface="Times New Roman" panose="02020603050405020304" pitchFamily="18" charset="0"/>
+              </a:rPr>
+              <a:t>1 left, 2 right</a:t>
+            </a:r>
+            <a:endParaRPr lang="de-CH" sz="2400" dirty="0">
+              <a:latin typeface="Times New Roman" panose="02020603050405020304" pitchFamily="18" charset="0"/>
+              <a:cs typeface="Times New Roman" panose="02020603050405020304" pitchFamily="18" charset="0"/>
+            </a:endParaRPr>
+          </a:p>
+        </p:txBody>
+      </p:sp>
+      <p:cxnSp>
+        <p:nvCxnSpPr>
+          <p:cNvPr id="78" name="Straight Arrow Connector 77"/>
+          <p:cNvCxnSpPr>
+            <a:stCxn id="74" idx="0"/>
+          </p:cNvCxnSpPr>
+          <p:nvPr/>
+        </p:nvCxnSpPr>
+        <p:spPr>
+          <a:xfrm flipV="1">
+            <a:off x="2466911" y="2351170"/>
+            <a:ext cx="361652" cy="1077288"/>
+          </a:xfrm>
+          <a:prstGeom prst="straightConnector1">
+            <a:avLst/>
+          </a:prstGeom>
+          <a:ln w="28575">
+            <a:solidFill>
+              <a:schemeClr val="tx1"/>
+            </a:solidFill>
+            <a:prstDash val="sysDot"/>
+            <a:tailEnd type="arrow"/>
+          </a:ln>
+        </p:spPr>
+        <p:style>
+          <a:lnRef idx="1">
+            <a:schemeClr val="accent1"/>
+          </a:lnRef>
+          <a:fillRef idx="0">
+            <a:schemeClr val="accent1"/>
+          </a:fillRef>
+          <a:effectRef idx="0">
+            <a:schemeClr val="accent1"/>
+          </a:effectRef>
+          <a:fontRef idx="minor">
+            <a:schemeClr val="tx1"/>
+          </a:fontRef>
+        </p:style>
+      </p:cxnSp>
+      <p:sp>
+        <p:nvSpPr>
+          <p:cNvPr id="79" name="TextBox 78"/>
+          <p:cNvSpPr txBox="1"/>
+          <p:nvPr/>
+        </p:nvSpPr>
+        <p:spPr>
+          <a:xfrm>
+            <a:off x="1953727" y="2503950"/>
+            <a:ext cx="713657" cy="461665"/>
+          </a:xfrm>
+          <a:prstGeom prst="rect">
+            <a:avLst/>
+          </a:prstGeom>
+          <a:noFill/>
+        </p:spPr>
+        <p:txBody>
+          <a:bodyPr wrap="none" rtlCol="0">
+            <a:spAutoFit/>
+          </a:bodyPr>
+          <a:lstStyle/>
+          <a:p>
+            <a:r>
+              <a:rPr lang="de-CH" sz="2400" dirty="0" smtClean="0">
+                <a:latin typeface="Times New Roman" panose="02020603050405020304" pitchFamily="18" charset="0"/>
+                <a:cs typeface="Times New Roman" panose="02020603050405020304" pitchFamily="18" charset="0"/>
+              </a:rPr>
+              <a:t>read</a:t>
+            </a:r>
+            <a:endParaRPr lang="de-CH" sz="2400" dirty="0">
+              <a:latin typeface="Times New Roman" panose="02020603050405020304" pitchFamily="18" charset="0"/>
+              <a:cs typeface="Times New Roman" panose="02020603050405020304" pitchFamily="18" charset="0"/>
+            </a:endParaRPr>
+          </a:p>
+        </p:txBody>
+      </p:sp>
+      <p:cxnSp>
+        <p:nvCxnSpPr>
+          <p:cNvPr id="80" name="Straight Arrow Connector 79"/>
+          <p:cNvCxnSpPr>
+            <a:endCxn id="84" idx="3"/>
+          </p:cNvCxnSpPr>
+          <p:nvPr/>
+        </p:nvCxnSpPr>
+        <p:spPr>
+          <a:xfrm flipV="1">
+            <a:off x="2475121" y="2055901"/>
+            <a:ext cx="2666900" cy="1351907"/>
+          </a:xfrm>
+          <a:prstGeom prst="straightConnector1">
+            <a:avLst/>
+          </a:prstGeom>
+          <a:ln w="28575">
+            <a:solidFill>
+              <a:schemeClr val="tx1"/>
+            </a:solidFill>
+            <a:prstDash val="sysDot"/>
+            <a:tailEnd type="arrow"/>
+          </a:ln>
+        </p:spPr>
+        <p:style>
+          <a:lnRef idx="1">
+            <a:schemeClr val="accent1"/>
+          </a:lnRef>
+          <a:fillRef idx="0">
+            <a:schemeClr val="accent1"/>
+          </a:fillRef>
+          <a:effectRef idx="0">
+            <a:schemeClr val="accent1"/>
+          </a:effectRef>
+          <a:fontRef idx="minor">
+            <a:schemeClr val="tx1"/>
+          </a:fontRef>
+        </p:style>
+      </p:cxnSp>
+      <p:sp>
+        <p:nvSpPr>
+          <p:cNvPr id="81" name="TextBox 80"/>
+          <p:cNvSpPr txBox="1"/>
+          <p:nvPr/>
+        </p:nvSpPr>
+        <p:spPr>
+          <a:xfrm>
+            <a:off x="2814049" y="2496612"/>
+            <a:ext cx="713657" cy="507832"/>
+          </a:xfrm>
+          <a:prstGeom prst="rect">
+            <a:avLst/>
+          </a:prstGeom>
+          <a:noFill/>
+        </p:spPr>
+        <p:txBody>
+          <a:bodyPr wrap="none" rtlCol="0">
+            <a:spAutoFit/>
+          </a:bodyPr>
+          <a:lstStyle/>
+          <a:p>
+            <a:r>
+              <a:rPr lang="de-CH" sz="2400" dirty="0" smtClean="0">
+                <a:latin typeface="Times New Roman" panose="02020603050405020304" pitchFamily="18" charset="0"/>
+                <a:cs typeface="Times New Roman" panose="02020603050405020304" pitchFamily="18" charset="0"/>
+              </a:rPr>
+              <a:t>read</a:t>
+            </a:r>
+            <a:endParaRPr lang="de-CH" sz="2400" dirty="0">
+              <a:latin typeface="Times New Roman" panose="02020603050405020304" pitchFamily="18" charset="0"/>
+              <a:cs typeface="Times New Roman" panose="02020603050405020304" pitchFamily="18" charset="0"/>
+            </a:endParaRPr>
+          </a:p>
+        </p:txBody>
+      </p:sp>
+      <p:cxnSp>
+        <p:nvCxnSpPr>
+          <p:cNvPr id="82" name="Straight Arrow Connector 81"/>
+          <p:cNvCxnSpPr/>
+          <p:nvPr/>
+        </p:nvCxnSpPr>
+        <p:spPr>
+          <a:xfrm>
+            <a:off x="3612023" y="2207154"/>
+            <a:ext cx="874245" cy="1200654"/>
+          </a:xfrm>
+          <a:prstGeom prst="straightConnector1">
+            <a:avLst/>
+          </a:prstGeom>
+          <a:ln w="28575">
+            <a:solidFill>
+              <a:schemeClr val="tx1"/>
+            </a:solidFill>
+            <a:prstDash val="sysDot"/>
+            <a:tailEnd type="arrow"/>
+          </a:ln>
+        </p:spPr>
+        <p:style>
+          <a:lnRef idx="1">
+            <a:schemeClr val="accent1"/>
+          </a:lnRef>
+          <a:fillRef idx="0">
+            <a:schemeClr val="accent1"/>
+          </a:fillRef>
+          <a:effectRef idx="0">
+            <a:schemeClr val="accent1"/>
+          </a:effectRef>
+          <a:fontRef idx="minor">
+            <a:schemeClr val="tx1"/>
+          </a:fontRef>
+        </p:style>
+      </p:cxnSp>
+      <p:sp>
+        <p:nvSpPr>
+          <p:cNvPr id="84" name="Oval 83"/>
           <p:cNvSpPr/>
           <p:nvPr/>
         </p:nvSpPr>
         <p:spPr>
           <a:xfrm>
-            <a:off x="2000660" y="3908116"/>
-            <a:ext cx="510604" cy="1751682"/>
-          </a:xfrm>
-          <a:custGeom>
+            <a:off x="4844837" y="334946"/>
+            <a:ext cx="2029301" cy="2016224"/>
+          </a:xfrm>
+          <a:prstGeom prst="ellipse">
             <a:avLst/>
-            <a:gdLst>
-              <a:gd name="connsiteX0" fmla="*/ 473725 w 473725"/>
-              <a:gd name="connsiteY0" fmla="*/ 0 h 1751682"/>
-              <a:gd name="connsiteX1" fmla="*/ 0 w 473725"/>
-              <a:gd name="connsiteY1" fmla="*/ 859316 h 1751682"/>
-              <a:gd name="connsiteX2" fmla="*/ 473725 w 473725"/>
-              <a:gd name="connsiteY2" fmla="*/ 1751682 h 1751682"/>
-            </a:gdLst>
-            <a:ahLst/>
-            <a:cxnLst>
-              <a:cxn ang="0">
-                <a:pos x="connsiteX0" y="connsiteY0"/>
-              </a:cxn>
-              <a:cxn ang="0">
-                <a:pos x="connsiteX1" y="connsiteY1"/>
-              </a:cxn>
-              <a:cxn ang="0">
-                <a:pos x="connsiteX2" y="connsiteY2"/>
-              </a:cxn>
-            </a:cxnLst>
-            <a:rect l="l" t="t" r="r" b="b"/>
-            <a:pathLst>
-              <a:path w="473725" h="1751682">
-                <a:moveTo>
-                  <a:pt x="473725" y="0"/>
-                </a:moveTo>
-                <a:cubicBezTo>
-                  <a:pt x="236862" y="283684"/>
-                  <a:pt x="0" y="567369"/>
-                  <a:pt x="0" y="859316"/>
-                </a:cubicBezTo>
-                <a:cubicBezTo>
-                  <a:pt x="0" y="1151263"/>
-                  <a:pt x="236862" y="1451472"/>
-                  <a:pt x="473725" y="1751682"/>
-                </a:cubicBezTo>
-              </a:path>
-            </a:pathLst>
-          </a:custGeom>
-          <a:noFill/>
+          </a:prstGeom>
+          <a:solidFill>
+            <a:schemeClr val="bg2"/>
+          </a:solidFill>
           <a:ln>
             <a:solidFill>
               <a:schemeClr val="tx1"/>
             </a:solidFill>
-            <a:headEnd type="none" w="med" len="med"/>
-            <a:tailEnd type="arrow" w="med" len="med"/>
           </a:ln>
         </p:spPr>
         <p:style>
@@ -3826,24 +4011,60 @@
       </p:sp>
       <p:sp>
         <p:nvSpPr>
-          <p:cNvPr id="47" name="Freeform 46"/>
+          <p:cNvPr id="85" name="TextBox 84"/>
+          <p:cNvSpPr txBox="1"/>
+          <p:nvPr/>
+        </p:nvSpPr>
+        <p:spPr>
+          <a:xfrm>
+            <a:off x="4824858" y="1050670"/>
+            <a:ext cx="1989647" cy="538609"/>
+          </a:xfrm>
+          <a:prstGeom prst="rect">
+            <a:avLst/>
+          </a:prstGeom>
+          <a:noFill/>
+        </p:spPr>
+        <p:txBody>
+          <a:bodyPr wrap="none" rtlCol="0">
+            <a:spAutoFit/>
+          </a:bodyPr>
+          <a:lstStyle/>
+          <a:p>
+            <a:r>
+              <a:rPr lang="de-CH" sz="2900" dirty="0" smtClean="0">
+                <a:latin typeface="Times New Roman" panose="02020603050405020304" pitchFamily="18" charset="0"/>
+                <a:cs typeface="Times New Roman" panose="02020603050405020304" pitchFamily="18" charset="0"/>
+              </a:rPr>
+              <a:t>Controller 2</a:t>
+            </a:r>
+            <a:endParaRPr lang="de-CH" sz="2900" dirty="0">
+              <a:latin typeface="Times New Roman" panose="02020603050405020304" pitchFamily="18" charset="0"/>
+              <a:cs typeface="Times New Roman" panose="02020603050405020304" pitchFamily="18" charset="0"/>
+            </a:endParaRPr>
+          </a:p>
+        </p:txBody>
+      </p:sp>
+      <p:sp>
+        <p:nvSpPr>
+          <p:cNvPr id="97" name="Freeform 96"/>
           <p:cNvSpPr/>
           <p:nvPr/>
         </p:nvSpPr>
         <p:spPr>
-          <a:xfrm flipH="1">
-            <a:off x="2773365" y="3923349"/>
-            <a:ext cx="621958" cy="1751682"/>
+          <a:xfrm>
+            <a:off x="1733094" y="3866920"/>
+            <a:ext cx="720684" cy="1806767"/>
           </a:xfrm>
           <a:custGeom>
             <a:avLst/>
             <a:gdLst>
-              <a:gd name="connsiteX0" fmla="*/ 473725 w 473725"/>
-              <a:gd name="connsiteY0" fmla="*/ 0 h 1751682"/>
-              <a:gd name="connsiteX1" fmla="*/ 0 w 473725"/>
-              <a:gd name="connsiteY1" fmla="*/ 859316 h 1751682"/>
-              <a:gd name="connsiteX2" fmla="*/ 473725 w 473725"/>
-              <a:gd name="connsiteY2" fmla="*/ 1751682 h 1751682"/>
+              <a:gd name="connsiteX0" fmla="*/ 903983 w 903983"/>
+              <a:gd name="connsiteY0" fmla="*/ 0 h 1806767"/>
+              <a:gd name="connsiteX1" fmla="*/ 600 w 903983"/>
+              <a:gd name="connsiteY1" fmla="*/ 837282 h 1806767"/>
+              <a:gd name="connsiteX2" fmla="*/ 793815 w 903983"/>
+              <a:gd name="connsiteY2" fmla="*/ 1806767 h 1806767"/>
             </a:gdLst>
             <a:ahLst/>
             <a:cxnLst>
@@ -3859,25 +4080,25 @@
             </a:cxnLst>
             <a:rect l="l" t="t" r="r" b="b"/>
             <a:pathLst>
-              <a:path w="473725" h="1751682">
+              <a:path w="903983" h="1806767">
                 <a:moveTo>
-                  <a:pt x="473725" y="0"/>
+                  <a:pt x="903983" y="0"/>
                 </a:moveTo>
                 <a:cubicBezTo>
-                  <a:pt x="236862" y="283684"/>
-                  <a:pt x="0" y="567369"/>
-                  <a:pt x="0" y="859316"/>
+                  <a:pt x="461472" y="268077"/>
+                  <a:pt x="18961" y="536154"/>
+                  <a:pt x="600" y="837282"/>
                 </a:cubicBezTo>
                 <a:cubicBezTo>
-                  <a:pt x="0" y="1151263"/>
-                  <a:pt x="236862" y="1451472"/>
-                  <a:pt x="473725" y="1751682"/>
+                  <a:pt x="-17761" y="1138410"/>
+                  <a:pt x="388027" y="1472588"/>
+                  <a:pt x="793815" y="1806767"/>
                 </a:cubicBezTo>
               </a:path>
             </a:pathLst>
           </a:custGeom>
           <a:noFill/>
-          <a:ln>
+          <a:ln w="19050">
             <a:solidFill>
               <a:schemeClr val="tx1"/>
             </a:solidFill>
@@ -3912,24 +4133,24 @@
       </p:sp>
       <p:sp>
         <p:nvSpPr>
-          <p:cNvPr id="48" name="Freeform 47"/>
+          <p:cNvPr id="98" name="Freeform 97"/>
           <p:cNvSpPr/>
           <p:nvPr/>
         </p:nvSpPr>
         <p:spPr>
           <a:xfrm flipH="1">
-            <a:off x="2756605" y="3923349"/>
-            <a:ext cx="469558" cy="1751682"/>
+            <a:off x="2495786" y="3866920"/>
+            <a:ext cx="754986" cy="1806767"/>
           </a:xfrm>
           <a:custGeom>
             <a:avLst/>
             <a:gdLst>
-              <a:gd name="connsiteX0" fmla="*/ 473725 w 473725"/>
-              <a:gd name="connsiteY0" fmla="*/ 0 h 1751682"/>
-              <a:gd name="connsiteX1" fmla="*/ 0 w 473725"/>
-              <a:gd name="connsiteY1" fmla="*/ 859316 h 1751682"/>
-              <a:gd name="connsiteX2" fmla="*/ 473725 w 473725"/>
-              <a:gd name="connsiteY2" fmla="*/ 1751682 h 1751682"/>
+              <a:gd name="connsiteX0" fmla="*/ 903983 w 903983"/>
+              <a:gd name="connsiteY0" fmla="*/ 0 h 1806767"/>
+              <a:gd name="connsiteX1" fmla="*/ 600 w 903983"/>
+              <a:gd name="connsiteY1" fmla="*/ 837282 h 1806767"/>
+              <a:gd name="connsiteX2" fmla="*/ 793815 w 903983"/>
+              <a:gd name="connsiteY2" fmla="*/ 1806767 h 1806767"/>
             </a:gdLst>
             <a:ahLst/>
             <a:cxnLst>
@@ -3945,25 +4166,25 @@
             </a:cxnLst>
             <a:rect l="l" t="t" r="r" b="b"/>
             <a:pathLst>
-              <a:path w="473725" h="1751682">
+              <a:path w="903983" h="1806767">
                 <a:moveTo>
-                  <a:pt x="473725" y="0"/>
+                  <a:pt x="903983" y="0"/>
                 </a:moveTo>
                 <a:cubicBezTo>
-                  <a:pt x="236862" y="283684"/>
-                  <a:pt x="0" y="567369"/>
-                  <a:pt x="0" y="859316"/>
+                  <a:pt x="461472" y="268077"/>
+                  <a:pt x="18961" y="536154"/>
+                  <a:pt x="600" y="837282"/>
                 </a:cubicBezTo>
                 <a:cubicBezTo>
-                  <a:pt x="0" y="1151263"/>
-                  <a:pt x="236862" y="1451472"/>
-                  <a:pt x="473725" y="1751682"/>
+                  <a:pt x="-17761" y="1138410"/>
+                  <a:pt x="388027" y="1472588"/>
+                  <a:pt x="793815" y="1806767"/>
                 </a:cubicBezTo>
               </a:path>
             </a:pathLst>
           </a:custGeom>
           <a:noFill/>
-          <a:ln>
+          <a:ln w="57150">
             <a:solidFill>
               <a:schemeClr val="tx1"/>
             </a:solidFill>
@@ -3998,21 +4219,22 @@
       </p:sp>
       <p:sp>
         <p:nvSpPr>
-          <p:cNvPr id="56" name="Rectangle 55"/>
+          <p:cNvPr id="99" name="Oval 98"/>
           <p:cNvSpPr/>
           <p:nvPr/>
         </p:nvSpPr>
         <p:spPr>
           <a:xfrm>
-            <a:off x="3774844" y="3434932"/>
-            <a:ext cx="1985425" cy="2904244"/>
-          </a:xfrm>
-          <a:prstGeom prst="rect">
+            <a:off x="2348443" y="5588521"/>
+            <a:ext cx="288032" cy="319390"/>
+          </a:xfrm>
+          <a:prstGeom prst="ellipse">
             <a:avLst/>
           </a:prstGeom>
           <a:solidFill>
-            <a:schemeClr val="bg1">
-              <a:lumMod val="95000"/>
+            <a:schemeClr val="tx1">
+              <a:lumMod val="75000"/>
+              <a:lumOff val="25000"/>
             </a:schemeClr>
           </a:solidFill>
           <a:ln>
@@ -4048,63 +4270,28 @@
       </p:sp>
       <p:sp>
         <p:nvSpPr>
-          <p:cNvPr id="61" name="Freeform 60"/>
+          <p:cNvPr id="100" name="Oval 99"/>
           <p:cNvSpPr/>
           <p:nvPr/>
         </p:nvSpPr>
         <p:spPr>
           <a:xfrm>
-            <a:off x="4138485" y="3908116"/>
-            <a:ext cx="510604" cy="1751682"/>
-          </a:xfrm>
-          <a:custGeom>
+            <a:off x="2322512" y="3716313"/>
+            <a:ext cx="288032" cy="319390"/>
+          </a:xfrm>
+          <a:prstGeom prst="ellipse">
             <a:avLst/>
-            <a:gdLst>
-              <a:gd name="connsiteX0" fmla="*/ 473725 w 473725"/>
-              <a:gd name="connsiteY0" fmla="*/ 0 h 1751682"/>
-              <a:gd name="connsiteX1" fmla="*/ 0 w 473725"/>
-              <a:gd name="connsiteY1" fmla="*/ 859316 h 1751682"/>
-              <a:gd name="connsiteX2" fmla="*/ 473725 w 473725"/>
-              <a:gd name="connsiteY2" fmla="*/ 1751682 h 1751682"/>
-            </a:gdLst>
-            <a:ahLst/>
-            <a:cxnLst>
-              <a:cxn ang="0">
-                <a:pos x="connsiteX0" y="connsiteY0"/>
-              </a:cxn>
-              <a:cxn ang="0">
-                <a:pos x="connsiteX1" y="connsiteY1"/>
-              </a:cxn>
-              <a:cxn ang="0">
-                <a:pos x="connsiteX2" y="connsiteY2"/>
-              </a:cxn>
-            </a:cxnLst>
-            <a:rect l="l" t="t" r="r" b="b"/>
-            <a:pathLst>
-              <a:path w="473725" h="1751682">
-                <a:moveTo>
-                  <a:pt x="473725" y="0"/>
-                </a:moveTo>
-                <a:cubicBezTo>
-                  <a:pt x="236862" y="283684"/>
-                  <a:pt x="0" y="567369"/>
-                  <a:pt x="0" y="859316"/>
-                </a:cubicBezTo>
-                <a:cubicBezTo>
-                  <a:pt x="0" y="1151263"/>
-                  <a:pt x="236862" y="1451472"/>
-                  <a:pt x="473725" y="1751682"/>
-                </a:cubicBezTo>
-              </a:path>
-            </a:pathLst>
-          </a:custGeom>
-          <a:noFill/>
+          </a:prstGeom>
+          <a:solidFill>
+            <a:schemeClr val="tx1">
+              <a:lumMod val="75000"/>
+              <a:lumOff val="25000"/>
+            </a:schemeClr>
+          </a:solidFill>
           <a:ln>
             <a:solidFill>
               <a:schemeClr val="tx1"/>
             </a:solidFill>
-            <a:headEnd type="none" w="med" len="med"/>
-            <a:tailEnd type="arrow" w="med" len="med"/>
           </a:ln>
         </p:spPr>
         <p:style>
@@ -4134,63 +4321,27 @@
       </p:sp>
       <p:sp>
         <p:nvSpPr>
-          <p:cNvPr id="62" name="Freeform 61"/>
+          <p:cNvPr id="101" name="Rectangle 100"/>
           <p:cNvSpPr/>
           <p:nvPr/>
         </p:nvSpPr>
         <p:spPr>
-          <a:xfrm flipH="1">
-            <a:off x="4911190" y="3923349"/>
-            <a:ext cx="621958" cy="1751682"/>
-          </a:xfrm>
-          <a:custGeom>
+          <a:xfrm>
+            <a:off x="3787540" y="3428458"/>
+            <a:ext cx="1985425" cy="2904244"/>
+          </a:xfrm>
+          <a:prstGeom prst="rect">
             <a:avLst/>
-            <a:gdLst>
-              <a:gd name="connsiteX0" fmla="*/ 473725 w 473725"/>
-              <a:gd name="connsiteY0" fmla="*/ 0 h 1751682"/>
-              <a:gd name="connsiteX1" fmla="*/ 0 w 473725"/>
-              <a:gd name="connsiteY1" fmla="*/ 859316 h 1751682"/>
-              <a:gd name="connsiteX2" fmla="*/ 473725 w 473725"/>
-              <a:gd name="connsiteY2" fmla="*/ 1751682 h 1751682"/>
-            </a:gdLst>
-            <a:ahLst/>
-            <a:cxnLst>
-              <a:cxn ang="0">
-                <a:pos x="connsiteX0" y="connsiteY0"/>
-              </a:cxn>
-              <a:cxn ang="0">
-                <a:pos x="connsiteX1" y="connsiteY1"/>
-              </a:cxn>
-              <a:cxn ang="0">
-                <a:pos x="connsiteX2" y="connsiteY2"/>
-              </a:cxn>
-            </a:cxnLst>
-            <a:rect l="l" t="t" r="r" b="b"/>
-            <a:pathLst>
-              <a:path w="473725" h="1751682">
-                <a:moveTo>
-                  <a:pt x="473725" y="0"/>
-                </a:moveTo>
-                <a:cubicBezTo>
-                  <a:pt x="236862" y="283684"/>
-                  <a:pt x="0" y="567369"/>
-                  <a:pt x="0" y="859316"/>
-                </a:cubicBezTo>
-                <a:cubicBezTo>
-                  <a:pt x="0" y="1151263"/>
-                  <a:pt x="236862" y="1451472"/>
-                  <a:pt x="473725" y="1751682"/>
-                </a:cubicBezTo>
-              </a:path>
-            </a:pathLst>
-          </a:custGeom>
-          <a:noFill/>
+          </a:prstGeom>
+          <a:solidFill>
+            <a:schemeClr val="bg1">
+              <a:lumMod val="95000"/>
+            </a:schemeClr>
+          </a:solidFill>
           <a:ln>
             <a:solidFill>
               <a:schemeClr val="tx1"/>
             </a:solidFill>
-            <a:headEnd type="none" w="med" len="med"/>
-            <a:tailEnd type="arrow" w="med" len="med"/>
           </a:ln>
         </p:spPr>
         <p:style>
@@ -4220,24 +4371,74 @@
       </p:sp>
       <p:sp>
         <p:nvSpPr>
-          <p:cNvPr id="63" name="Freeform 62"/>
+          <p:cNvPr id="102" name="TextBox 101"/>
+          <p:cNvSpPr txBox="1"/>
+          <p:nvPr/>
+        </p:nvSpPr>
+        <p:spPr>
+          <a:xfrm>
+            <a:off x="3885234" y="5889573"/>
+            <a:ext cx="1789272" cy="461665"/>
+          </a:xfrm>
+          <a:prstGeom prst="rect">
+            <a:avLst/>
+          </a:prstGeom>
+          <a:noFill/>
+        </p:spPr>
+        <p:txBody>
+          <a:bodyPr wrap="none" rtlCol="0">
+            <a:spAutoFit/>
+          </a:bodyPr>
+          <a:lstStyle/>
+          <a:p>
+            <a:r>
+              <a:rPr lang="de-CH" sz="2400" dirty="0">
+                <a:latin typeface="Times New Roman" panose="02020603050405020304" pitchFamily="18" charset="0"/>
+                <a:cs typeface="Times New Roman" panose="02020603050405020304" pitchFamily="18" charset="0"/>
+              </a:rPr>
+              <a:t>3</a:t>
+            </a:r>
+            <a:r>
+              <a:rPr lang="de-CH" sz="2400" dirty="0" smtClean="0">
+                <a:latin typeface="Times New Roman" panose="02020603050405020304" pitchFamily="18" charset="0"/>
+                <a:cs typeface="Times New Roman" panose="02020603050405020304" pitchFamily="18" charset="0"/>
+              </a:rPr>
+              <a:t> </a:t>
+            </a:r>
+            <a:r>
+              <a:rPr lang="de-CH" sz="2400" dirty="0" smtClean="0">
+                <a:latin typeface="Times New Roman" panose="02020603050405020304" pitchFamily="18" charset="0"/>
+                <a:cs typeface="Times New Roman" panose="02020603050405020304" pitchFamily="18" charset="0"/>
+              </a:rPr>
+              <a:t>left, 2 right</a:t>
+            </a:r>
+            <a:endParaRPr lang="de-CH" sz="2400" dirty="0">
+              <a:latin typeface="Times New Roman" panose="02020603050405020304" pitchFamily="18" charset="0"/>
+              <a:cs typeface="Times New Roman" panose="02020603050405020304" pitchFamily="18" charset="0"/>
+            </a:endParaRPr>
+          </a:p>
+        </p:txBody>
+      </p:sp>
+      <p:sp>
+        <p:nvSpPr>
+          <p:cNvPr id="104" name="Freeform 103"/>
           <p:cNvSpPr/>
           <p:nvPr/>
         </p:nvSpPr>
         <p:spPr>
-          <a:xfrm flipH="1">
-            <a:off x="4894430" y="3923349"/>
-            <a:ext cx="469558" cy="1751682"/>
+          <a:xfrm>
+            <a:off x="4046436" y="3866920"/>
+            <a:ext cx="720684" cy="1806767"/>
           </a:xfrm>
           <a:custGeom>
             <a:avLst/>
             <a:gdLst>
-              <a:gd name="connsiteX0" fmla="*/ 473725 w 473725"/>
-              <a:gd name="connsiteY0" fmla="*/ 0 h 1751682"/>
-              <a:gd name="connsiteX1" fmla="*/ 0 w 473725"/>
-              <a:gd name="connsiteY1" fmla="*/ 859316 h 1751682"/>
-              <a:gd name="connsiteX2" fmla="*/ 473725 w 473725"/>
-              <a:gd name="connsiteY2" fmla="*/ 1751682 h 1751682"/>
+              <a:gd name="connsiteX0" fmla="*/ 903983 w 903983"/>
+              <a:gd name="connsiteY0" fmla="*/ 0 h 1806767"/>
+              <a:gd name="connsiteX1" fmla="*/ 600 w 903983"/>
+              <a:gd name="connsiteY1" fmla="*/ 837282 h 1806767"/>
+              <a:gd name="connsiteX2" fmla="*/ 793815 w 903983"/>
+              <a:gd name="connsiteY2" fmla="*/ 1806767 h 1806767"/>
             </a:gdLst>
             <a:ahLst/>
             <a:cxnLst>
@@ -4253,25 +4454,25 @@
             </a:cxnLst>
             <a:rect l="l" t="t" r="r" b="b"/>
             <a:pathLst>
-              <a:path w="473725" h="1751682">
+              <a:path w="903983" h="1806767">
                 <a:moveTo>
-                  <a:pt x="473725" y="0"/>
+                  <a:pt x="903983" y="0"/>
                 </a:moveTo>
                 <a:cubicBezTo>
-                  <a:pt x="236862" y="283684"/>
-                  <a:pt x="0" y="567369"/>
-                  <a:pt x="0" y="859316"/>
+                  <a:pt x="461472" y="268077"/>
+                  <a:pt x="18961" y="536154"/>
+                  <a:pt x="600" y="837282"/>
                 </a:cubicBezTo>
                 <a:cubicBezTo>
-                  <a:pt x="0" y="1151263"/>
-                  <a:pt x="236862" y="1451472"/>
-                  <a:pt x="473725" y="1751682"/>
+                  <a:pt x="-17761" y="1138410"/>
+                  <a:pt x="388027" y="1472588"/>
+                  <a:pt x="793815" y="1806767"/>
                 </a:cubicBezTo>
               </a:path>
             </a:pathLst>
           </a:custGeom>
           <a:noFill/>
-          <a:ln>
+          <a:ln w="76200">
             <a:solidFill>
               <a:schemeClr val="tx1"/>
             </a:solidFill>
@@ -4306,24 +4507,24 @@
       </p:sp>
       <p:sp>
         <p:nvSpPr>
-          <p:cNvPr id="72" name="Freeform 71"/>
+          <p:cNvPr id="106" name="Freeform 105"/>
           <p:cNvSpPr/>
           <p:nvPr/>
         </p:nvSpPr>
         <p:spPr>
-          <a:xfrm>
-            <a:off x="4241387" y="3916425"/>
-            <a:ext cx="407702" cy="1751682"/>
+          <a:xfrm flipH="1">
+            <a:off x="4809128" y="3866920"/>
+            <a:ext cx="754986" cy="1806767"/>
           </a:xfrm>
           <a:custGeom>
             <a:avLst/>
             <a:gdLst>
-              <a:gd name="connsiteX0" fmla="*/ 473725 w 473725"/>
-              <a:gd name="connsiteY0" fmla="*/ 0 h 1751682"/>
-              <a:gd name="connsiteX1" fmla="*/ 0 w 473725"/>
-              <a:gd name="connsiteY1" fmla="*/ 859316 h 1751682"/>
-              <a:gd name="connsiteX2" fmla="*/ 473725 w 473725"/>
-              <a:gd name="connsiteY2" fmla="*/ 1751682 h 1751682"/>
+              <a:gd name="connsiteX0" fmla="*/ 903983 w 903983"/>
+              <a:gd name="connsiteY0" fmla="*/ 0 h 1806767"/>
+              <a:gd name="connsiteX1" fmla="*/ 600 w 903983"/>
+              <a:gd name="connsiteY1" fmla="*/ 837282 h 1806767"/>
+              <a:gd name="connsiteX2" fmla="*/ 793815 w 903983"/>
+              <a:gd name="connsiteY2" fmla="*/ 1806767 h 1806767"/>
             </a:gdLst>
             <a:ahLst/>
             <a:cxnLst>
@@ -4339,25 +4540,25 @@
             </a:cxnLst>
             <a:rect l="l" t="t" r="r" b="b"/>
             <a:pathLst>
-              <a:path w="473725" h="1751682">
+              <a:path w="903983" h="1806767">
                 <a:moveTo>
-                  <a:pt x="473725" y="0"/>
+                  <a:pt x="903983" y="0"/>
                 </a:moveTo>
                 <a:cubicBezTo>
-                  <a:pt x="236862" y="283684"/>
-                  <a:pt x="0" y="567369"/>
-                  <a:pt x="0" y="859316"/>
+                  <a:pt x="461472" y="268077"/>
+                  <a:pt x="18961" y="536154"/>
+                  <a:pt x="600" y="837282"/>
                 </a:cubicBezTo>
                 <a:cubicBezTo>
-                  <a:pt x="0" y="1151263"/>
-                  <a:pt x="236862" y="1451472"/>
-                  <a:pt x="473725" y="1751682"/>
+                  <a:pt x="-17761" y="1138410"/>
+                  <a:pt x="388027" y="1472588"/>
+                  <a:pt x="793815" y="1806767"/>
                 </a:cubicBezTo>
               </a:path>
             </a:pathLst>
           </a:custGeom>
           <a:noFill/>
-          <a:ln>
+          <a:ln w="57150">
             <a:solidFill>
               <a:schemeClr val="tx1"/>
             </a:solidFill>
@@ -4392,63 +4593,28 @@
       </p:sp>
       <p:sp>
         <p:nvSpPr>
-          <p:cNvPr id="73" name="Freeform 72"/>
+          <p:cNvPr id="107" name="Oval 106"/>
           <p:cNvSpPr/>
           <p:nvPr/>
         </p:nvSpPr>
         <p:spPr>
           <a:xfrm>
-            <a:off x="3994469" y="3908116"/>
-            <a:ext cx="628689" cy="1751682"/>
-          </a:xfrm>
-          <a:custGeom>
+            <a:off x="4661785" y="5588521"/>
+            <a:ext cx="288032" cy="319390"/>
+          </a:xfrm>
+          <a:prstGeom prst="ellipse">
             <a:avLst/>
-            <a:gdLst>
-              <a:gd name="connsiteX0" fmla="*/ 473725 w 473725"/>
-              <a:gd name="connsiteY0" fmla="*/ 0 h 1751682"/>
-              <a:gd name="connsiteX1" fmla="*/ 0 w 473725"/>
-              <a:gd name="connsiteY1" fmla="*/ 859316 h 1751682"/>
-              <a:gd name="connsiteX2" fmla="*/ 473725 w 473725"/>
-              <a:gd name="connsiteY2" fmla="*/ 1751682 h 1751682"/>
-            </a:gdLst>
-            <a:ahLst/>
-            <a:cxnLst>
-              <a:cxn ang="0">
-                <a:pos x="connsiteX0" y="connsiteY0"/>
-              </a:cxn>
-              <a:cxn ang="0">
-                <a:pos x="connsiteX1" y="connsiteY1"/>
-              </a:cxn>
-              <a:cxn ang="0">
-                <a:pos x="connsiteX2" y="connsiteY2"/>
-              </a:cxn>
-            </a:cxnLst>
-            <a:rect l="l" t="t" r="r" b="b"/>
-            <a:pathLst>
-              <a:path w="473725" h="1751682">
-                <a:moveTo>
-                  <a:pt x="473725" y="0"/>
-                </a:moveTo>
-                <a:cubicBezTo>
-                  <a:pt x="236862" y="283684"/>
-                  <a:pt x="0" y="567369"/>
-                  <a:pt x="0" y="859316"/>
-                </a:cubicBezTo>
-                <a:cubicBezTo>
-                  <a:pt x="0" y="1151263"/>
-                  <a:pt x="236862" y="1451472"/>
-                  <a:pt x="473725" y="1751682"/>
-                </a:cubicBezTo>
-              </a:path>
-            </a:pathLst>
-          </a:custGeom>
-          <a:noFill/>
+          </a:prstGeom>
+          <a:solidFill>
+            <a:schemeClr val="tx1">
+              <a:lumMod val="75000"/>
+              <a:lumOff val="25000"/>
+            </a:schemeClr>
+          </a:solidFill>
           <a:ln>
             <a:solidFill>
               <a:schemeClr val="tx1"/>
             </a:solidFill>
-            <a:headEnd type="none" w="med" len="med"/>
-            <a:tailEnd type="arrow" w="med" len="med"/>
           </a:ln>
         </p:spPr>
         <p:style>
@@ -4478,13 +4644,13 @@
       </p:sp>
       <p:sp>
         <p:nvSpPr>
-          <p:cNvPr id="22" name="Oval 21"/>
+          <p:cNvPr id="108" name="Oval 107"/>
           <p:cNvSpPr/>
           <p:nvPr/>
         </p:nvSpPr>
         <p:spPr>
           <a:xfrm>
-            <a:off x="2485333" y="3722787"/>
+            <a:off x="4635854" y="3716313"/>
             <a:ext cx="288032" cy="319390"/>
           </a:xfrm>
           <a:prstGeom prst="ellipse">
@@ -4529,371 +4695,14 @@
       </p:sp>
       <p:sp>
         <p:nvSpPr>
-          <p:cNvPr id="44" name="Oval 43"/>
-          <p:cNvSpPr/>
-          <p:nvPr/>
-        </p:nvSpPr>
-        <p:spPr>
-          <a:xfrm>
-            <a:off x="2511264" y="5594995"/>
-            <a:ext cx="288032" cy="319390"/>
-          </a:xfrm>
-          <a:prstGeom prst="ellipse">
-            <a:avLst/>
-          </a:prstGeom>
-          <a:solidFill>
-            <a:schemeClr val="tx1">
-              <a:lumMod val="75000"/>
-              <a:lumOff val="25000"/>
-            </a:schemeClr>
-          </a:solidFill>
-          <a:ln>
-            <a:solidFill>
-              <a:schemeClr val="tx1"/>
-            </a:solidFill>
-          </a:ln>
-        </p:spPr>
-        <p:style>
-          <a:lnRef idx="2">
-            <a:schemeClr val="accent1">
-              <a:shade val="50000"/>
-            </a:schemeClr>
-          </a:lnRef>
-          <a:fillRef idx="1">
-            <a:schemeClr val="accent1"/>
-          </a:fillRef>
-          <a:effectRef idx="0">
-            <a:schemeClr val="accent1"/>
-          </a:effectRef>
-          <a:fontRef idx="minor">
-            <a:schemeClr val="lt1"/>
-          </a:fontRef>
-        </p:style>
-        <p:txBody>
-          <a:bodyPr rtlCol="0" anchor="ctr"/>
-          <a:lstStyle/>
-          <a:p>
-            <a:pPr algn="ctr"/>
-            <a:endParaRPr lang="de-CH"/>
-          </a:p>
-        </p:txBody>
-      </p:sp>
-      <p:sp>
-        <p:nvSpPr>
-          <p:cNvPr id="45" name="Oval 44"/>
-          <p:cNvSpPr/>
-          <p:nvPr/>
-        </p:nvSpPr>
-        <p:spPr>
-          <a:xfrm>
-            <a:off x="1856644" y="4639495"/>
-            <a:ext cx="288032" cy="319390"/>
-          </a:xfrm>
-          <a:prstGeom prst="ellipse">
-            <a:avLst/>
-          </a:prstGeom>
-          <a:solidFill>
-            <a:schemeClr val="tx1">
-              <a:lumMod val="75000"/>
-              <a:lumOff val="25000"/>
-            </a:schemeClr>
-          </a:solidFill>
-          <a:ln>
-            <a:solidFill>
-              <a:schemeClr val="tx1"/>
-            </a:solidFill>
-          </a:ln>
-        </p:spPr>
-        <p:style>
-          <a:lnRef idx="2">
-            <a:schemeClr val="accent1">
-              <a:shade val="50000"/>
-            </a:schemeClr>
-          </a:lnRef>
-          <a:fillRef idx="1">
-            <a:schemeClr val="accent1"/>
-          </a:fillRef>
-          <a:effectRef idx="0">
-            <a:schemeClr val="accent1"/>
-          </a:effectRef>
-          <a:fontRef idx="minor">
-            <a:schemeClr val="lt1"/>
-          </a:fontRef>
-        </p:style>
-        <p:txBody>
-          <a:bodyPr rtlCol="0" anchor="ctr"/>
-          <a:lstStyle/>
-          <a:p>
-            <a:pPr algn="ctr"/>
-            <a:endParaRPr lang="de-CH"/>
-          </a:p>
-        </p:txBody>
-      </p:sp>
-      <p:sp>
-        <p:nvSpPr>
-          <p:cNvPr id="46" name="Oval 45"/>
-          <p:cNvSpPr/>
-          <p:nvPr/>
-        </p:nvSpPr>
-        <p:spPr>
-          <a:xfrm>
-            <a:off x="3159326" y="4639495"/>
-            <a:ext cx="288032" cy="319390"/>
-          </a:xfrm>
-          <a:prstGeom prst="ellipse">
-            <a:avLst/>
-          </a:prstGeom>
-          <a:solidFill>
-            <a:schemeClr val="tx1">
-              <a:lumMod val="75000"/>
-              <a:lumOff val="25000"/>
-            </a:schemeClr>
-          </a:solidFill>
-          <a:ln>
-            <a:solidFill>
-              <a:schemeClr val="tx1"/>
-            </a:solidFill>
-          </a:ln>
-        </p:spPr>
-        <p:style>
-          <a:lnRef idx="2">
-            <a:schemeClr val="accent1">
-              <a:shade val="50000"/>
-            </a:schemeClr>
-          </a:lnRef>
-          <a:fillRef idx="1">
-            <a:schemeClr val="accent1"/>
-          </a:fillRef>
-          <a:effectRef idx="0">
-            <a:schemeClr val="accent1"/>
-          </a:effectRef>
-          <a:fontRef idx="minor">
-            <a:schemeClr val="lt1"/>
-          </a:fontRef>
-        </p:style>
-        <p:txBody>
-          <a:bodyPr rtlCol="0" anchor="ctr"/>
-          <a:lstStyle/>
-          <a:p>
-            <a:pPr algn="ctr"/>
-            <a:endParaRPr lang="de-CH"/>
-          </a:p>
-        </p:txBody>
-      </p:sp>
-      <p:sp>
-        <p:nvSpPr>
-          <p:cNvPr id="57" name="Oval 56"/>
-          <p:cNvSpPr/>
-          <p:nvPr/>
-        </p:nvSpPr>
-        <p:spPr>
-          <a:xfrm>
-            <a:off x="4623158" y="3722787"/>
-            <a:ext cx="288032" cy="319390"/>
-          </a:xfrm>
-          <a:prstGeom prst="ellipse">
-            <a:avLst/>
-          </a:prstGeom>
-          <a:solidFill>
-            <a:schemeClr val="tx1">
-              <a:lumMod val="75000"/>
-              <a:lumOff val="25000"/>
-            </a:schemeClr>
-          </a:solidFill>
-          <a:ln>
-            <a:solidFill>
-              <a:schemeClr val="tx1"/>
-            </a:solidFill>
-          </a:ln>
-        </p:spPr>
-        <p:style>
-          <a:lnRef idx="2">
-            <a:schemeClr val="accent1">
-              <a:shade val="50000"/>
-            </a:schemeClr>
-          </a:lnRef>
-          <a:fillRef idx="1">
-            <a:schemeClr val="accent1"/>
-          </a:fillRef>
-          <a:effectRef idx="0">
-            <a:schemeClr val="accent1"/>
-          </a:effectRef>
-          <a:fontRef idx="minor">
-            <a:schemeClr val="lt1"/>
-          </a:fontRef>
-        </p:style>
-        <p:txBody>
-          <a:bodyPr rtlCol="0" anchor="ctr"/>
-          <a:lstStyle/>
-          <a:p>
-            <a:pPr algn="ctr"/>
-            <a:endParaRPr lang="de-CH"/>
-          </a:p>
-        </p:txBody>
-      </p:sp>
-      <p:sp>
-        <p:nvSpPr>
-          <p:cNvPr id="58" name="Oval 57"/>
-          <p:cNvSpPr/>
-          <p:nvPr/>
-        </p:nvSpPr>
-        <p:spPr>
-          <a:xfrm>
-            <a:off x="4649089" y="5594995"/>
-            <a:ext cx="288032" cy="319390"/>
-          </a:xfrm>
-          <a:prstGeom prst="ellipse">
-            <a:avLst/>
-          </a:prstGeom>
-          <a:solidFill>
-            <a:schemeClr val="tx1">
-              <a:lumMod val="75000"/>
-              <a:lumOff val="25000"/>
-            </a:schemeClr>
-          </a:solidFill>
-          <a:ln>
-            <a:solidFill>
-              <a:schemeClr val="tx1"/>
-            </a:solidFill>
-          </a:ln>
-        </p:spPr>
-        <p:style>
-          <a:lnRef idx="2">
-            <a:schemeClr val="accent1">
-              <a:shade val="50000"/>
-            </a:schemeClr>
-          </a:lnRef>
-          <a:fillRef idx="1">
-            <a:schemeClr val="accent1"/>
-          </a:fillRef>
-          <a:effectRef idx="0">
-            <a:schemeClr val="accent1"/>
-          </a:effectRef>
-          <a:fontRef idx="minor">
-            <a:schemeClr val="lt1"/>
-          </a:fontRef>
-        </p:style>
-        <p:txBody>
-          <a:bodyPr rtlCol="0" anchor="ctr"/>
-          <a:lstStyle/>
-          <a:p>
-            <a:pPr algn="ctr"/>
-            <a:endParaRPr lang="de-CH"/>
-          </a:p>
-        </p:txBody>
-      </p:sp>
-      <p:sp>
-        <p:nvSpPr>
-          <p:cNvPr id="59" name="Oval 58"/>
-          <p:cNvSpPr/>
-          <p:nvPr/>
-        </p:nvSpPr>
-        <p:spPr>
-          <a:xfrm>
-            <a:off x="3994469" y="4639495"/>
-            <a:ext cx="288032" cy="319390"/>
-          </a:xfrm>
-          <a:prstGeom prst="ellipse">
-            <a:avLst/>
-          </a:prstGeom>
-          <a:solidFill>
-            <a:schemeClr val="tx1">
-              <a:lumMod val="75000"/>
-              <a:lumOff val="25000"/>
-            </a:schemeClr>
-          </a:solidFill>
-          <a:ln>
-            <a:solidFill>
-              <a:schemeClr val="tx1"/>
-            </a:solidFill>
-          </a:ln>
-        </p:spPr>
-        <p:style>
-          <a:lnRef idx="2">
-            <a:schemeClr val="accent1">
-              <a:shade val="50000"/>
-            </a:schemeClr>
-          </a:lnRef>
-          <a:fillRef idx="1">
-            <a:schemeClr val="accent1"/>
-          </a:fillRef>
-          <a:effectRef idx="0">
-            <a:schemeClr val="accent1"/>
-          </a:effectRef>
-          <a:fontRef idx="minor">
-            <a:schemeClr val="lt1"/>
-          </a:fontRef>
-        </p:style>
-        <p:txBody>
-          <a:bodyPr rtlCol="0" anchor="ctr"/>
-          <a:lstStyle/>
-          <a:p>
-            <a:pPr algn="ctr"/>
-            <a:endParaRPr lang="de-CH"/>
-          </a:p>
-        </p:txBody>
-      </p:sp>
-      <p:sp>
-        <p:nvSpPr>
-          <p:cNvPr id="60" name="Oval 59"/>
-          <p:cNvSpPr/>
-          <p:nvPr/>
-        </p:nvSpPr>
-        <p:spPr>
-          <a:xfrm>
-            <a:off x="5297151" y="4639495"/>
-            <a:ext cx="288032" cy="319390"/>
-          </a:xfrm>
-          <a:prstGeom prst="ellipse">
-            <a:avLst/>
-          </a:prstGeom>
-          <a:solidFill>
-            <a:schemeClr val="tx1">
-              <a:lumMod val="75000"/>
-              <a:lumOff val="25000"/>
-            </a:schemeClr>
-          </a:solidFill>
-          <a:ln>
-            <a:solidFill>
-              <a:schemeClr val="tx1"/>
-            </a:solidFill>
-          </a:ln>
-        </p:spPr>
-        <p:style>
-          <a:lnRef idx="2">
-            <a:schemeClr val="accent1">
-              <a:shade val="50000"/>
-            </a:schemeClr>
-          </a:lnRef>
-          <a:fillRef idx="1">
-            <a:schemeClr val="accent1"/>
-          </a:fillRef>
-          <a:effectRef idx="0">
-            <a:schemeClr val="accent1"/>
-          </a:effectRef>
-          <a:fontRef idx="minor">
-            <a:schemeClr val="lt1"/>
-          </a:fontRef>
-        </p:style>
-        <p:txBody>
-          <a:bodyPr rtlCol="0" anchor="ctr"/>
-          <a:lstStyle/>
-          <a:p>
-            <a:pPr algn="ctr"/>
-            <a:endParaRPr lang="de-CH"/>
-          </a:p>
-        </p:txBody>
-      </p:sp>
-      <p:sp>
-        <p:nvSpPr>
-          <p:cNvPr id="86" name="TextBox 85"/>
+          <p:cNvPr id="118" name="TextBox 117"/>
           <p:cNvSpPr txBox="1"/>
           <p:nvPr/>
         </p:nvSpPr>
         <p:spPr>
           <a:xfrm>
-            <a:off x="1734713" y="5896047"/>
-            <a:ext cx="1789272" cy="461665"/>
+            <a:off x="6673416" y="2502005"/>
+            <a:ext cx="1157689" cy="461665"/>
           </a:xfrm>
           <a:prstGeom prst="rect">
             <a:avLst/>
@@ -4906,12 +4715,13 @@
           </a:bodyPr>
           <a:lstStyle/>
           <a:p>
+            <a:pPr algn="ctr"/>
             <a:r>
               <a:rPr lang="de-CH" sz="2400" dirty="0" smtClean="0">
                 <a:latin typeface="Times New Roman" panose="02020603050405020304" pitchFamily="18" charset="0"/>
                 <a:cs typeface="Times New Roman" panose="02020603050405020304" pitchFamily="18" charset="0"/>
               </a:rPr>
-              <a:t>1 left, 2 right</a:t>
+              <a:t>Failure!</a:t>
             </a:r>
             <a:endParaRPr lang="de-CH" sz="2400" dirty="0">
               <a:latin typeface="Times New Roman" panose="02020603050405020304" pitchFamily="18" charset="0"/>
@@ -4922,14 +4732,14 @@
       </p:sp>
       <p:sp>
         <p:nvSpPr>
-          <p:cNvPr id="87" name="TextBox 86"/>
+          <p:cNvPr id="119" name="TextBox 118"/>
           <p:cNvSpPr txBox="1"/>
           <p:nvPr/>
         </p:nvSpPr>
         <p:spPr>
           <a:xfrm>
-            <a:off x="3918375" y="5914385"/>
-            <a:ext cx="1789272" cy="461665"/>
+            <a:off x="4220134" y="2389087"/>
+            <a:ext cx="1843774" cy="830997"/>
           </a:xfrm>
           <a:prstGeom prst="rect">
             <a:avLst/>
@@ -4942,19 +4752,30 @@
           </a:bodyPr>
           <a:lstStyle/>
           <a:p>
+            <a:pPr algn="ctr"/>
             <a:r>
               <a:rPr lang="de-CH" sz="2400" dirty="0">
                 <a:latin typeface="Times New Roman" panose="02020603050405020304" pitchFamily="18" charset="0"/>
                 <a:cs typeface="Times New Roman" panose="02020603050405020304" pitchFamily="18" charset="0"/>
               </a:rPr>
-              <a:t>3</a:t>
+              <a:t>i</a:t>
             </a:r>
             <a:r>
               <a:rPr lang="de-CH" sz="2400" dirty="0" smtClean="0">
                 <a:latin typeface="Times New Roman" panose="02020603050405020304" pitchFamily="18" charset="0"/>
                 <a:cs typeface="Times New Roman" panose="02020603050405020304" pitchFamily="18" charset="0"/>
               </a:rPr>
-              <a:t> left, 2 right</a:t>
+              <a:t>nstall with</a:t>
+            </a:r>
+          </a:p>
+          <a:p>
+            <a:pPr algn="ctr"/>
+            <a:r>
+              <a:rPr lang="de-CH" sz="2400" dirty="0" smtClean="0">
+                <a:latin typeface="Times New Roman" panose="02020603050405020304" pitchFamily="18" charset="0"/>
+                <a:cs typeface="Times New Roman" panose="02020603050405020304" pitchFamily="18" charset="0"/>
+              </a:rPr>
+              <a:t>CAS(pid,1,2)</a:t>
             </a:r>
             <a:endParaRPr lang="de-CH" sz="2400" dirty="0">
               <a:latin typeface="Times New Roman" panose="02020603050405020304" pitchFamily="18" charset="0"/>
@@ -4965,164 +4786,14 @@
       </p:sp>
       <p:cxnSp>
         <p:nvCxnSpPr>
-          <p:cNvPr id="91" name="Straight Arrow Connector 90"/>
-          <p:cNvCxnSpPr>
-            <a:stCxn id="15" idx="0"/>
-          </p:cNvCxnSpPr>
-          <p:nvPr/>
-        </p:nvCxnSpPr>
-        <p:spPr>
-          <a:xfrm flipV="1">
-            <a:off x="2629732" y="2357644"/>
-            <a:ext cx="361652" cy="1077288"/>
-          </a:xfrm>
-          <a:prstGeom prst="straightConnector1">
-            <a:avLst/>
-          </a:prstGeom>
-          <a:ln w="28575">
-            <a:solidFill>
-              <a:schemeClr val="tx1"/>
-            </a:solidFill>
-            <a:prstDash val="sysDot"/>
-            <a:tailEnd type="arrow"/>
-          </a:ln>
-        </p:spPr>
-        <p:style>
-          <a:lnRef idx="1">
-            <a:schemeClr val="accent1"/>
-          </a:lnRef>
-          <a:fillRef idx="0">
-            <a:schemeClr val="accent1"/>
-          </a:fillRef>
-          <a:effectRef idx="0">
-            <a:schemeClr val="accent1"/>
-          </a:effectRef>
-          <a:fontRef idx="minor">
-            <a:schemeClr val="tx1"/>
-          </a:fontRef>
-        </p:style>
-      </p:cxnSp>
-      <p:sp>
-        <p:nvSpPr>
-          <p:cNvPr id="92" name="TextBox 91"/>
-          <p:cNvSpPr txBox="1"/>
-          <p:nvPr/>
-        </p:nvSpPr>
-        <p:spPr>
-          <a:xfrm>
-            <a:off x="2116548" y="2510424"/>
-            <a:ext cx="713657" cy="461665"/>
-          </a:xfrm>
-          <a:prstGeom prst="rect">
-            <a:avLst/>
-          </a:prstGeom>
-          <a:noFill/>
-        </p:spPr>
-        <p:txBody>
-          <a:bodyPr wrap="none" rtlCol="0">
-            <a:spAutoFit/>
-          </a:bodyPr>
-          <a:lstStyle/>
-          <a:p>
-            <a:r>
-              <a:rPr lang="de-CH" sz="2400" dirty="0" smtClean="0">
-                <a:latin typeface="Times New Roman" panose="02020603050405020304" pitchFamily="18" charset="0"/>
-                <a:cs typeface="Times New Roman" panose="02020603050405020304" pitchFamily="18" charset="0"/>
-              </a:rPr>
-              <a:t>read</a:t>
-            </a:r>
-            <a:endParaRPr lang="de-CH" sz="2400" dirty="0">
-              <a:latin typeface="Times New Roman" panose="02020603050405020304" pitchFamily="18" charset="0"/>
-              <a:cs typeface="Times New Roman" panose="02020603050405020304" pitchFamily="18" charset="0"/>
-            </a:endParaRPr>
-          </a:p>
-        </p:txBody>
-      </p:sp>
-      <p:cxnSp>
-        <p:nvCxnSpPr>
-          <p:cNvPr id="93" name="Straight Arrow Connector 92"/>
-          <p:cNvCxnSpPr>
-            <a:endCxn id="33" idx="3"/>
-          </p:cNvCxnSpPr>
-          <p:nvPr/>
-        </p:nvCxnSpPr>
-        <p:spPr>
-          <a:xfrm flipV="1">
-            <a:off x="2637942" y="2062375"/>
-            <a:ext cx="2666900" cy="1351907"/>
-          </a:xfrm>
-          <a:prstGeom prst="straightConnector1">
-            <a:avLst/>
-          </a:prstGeom>
-          <a:ln w="28575">
-            <a:solidFill>
-              <a:schemeClr val="tx1"/>
-            </a:solidFill>
-            <a:prstDash val="sysDot"/>
-            <a:tailEnd type="arrow"/>
-          </a:ln>
-        </p:spPr>
-        <p:style>
-          <a:lnRef idx="1">
-            <a:schemeClr val="accent1"/>
-          </a:lnRef>
-          <a:fillRef idx="0">
-            <a:schemeClr val="accent1"/>
-          </a:fillRef>
-          <a:effectRef idx="0">
-            <a:schemeClr val="accent1"/>
-          </a:effectRef>
-          <a:fontRef idx="minor">
-            <a:schemeClr val="tx1"/>
-          </a:fontRef>
-        </p:style>
-      </p:cxnSp>
-      <p:sp>
-        <p:nvSpPr>
-          <p:cNvPr id="103" name="TextBox 102"/>
-          <p:cNvSpPr txBox="1"/>
-          <p:nvPr/>
-        </p:nvSpPr>
-        <p:spPr>
-          <a:xfrm>
-            <a:off x="2976870" y="2503086"/>
-            <a:ext cx="713657" cy="507832"/>
-          </a:xfrm>
-          <a:prstGeom prst="rect">
-            <a:avLst/>
-          </a:prstGeom>
-          <a:noFill/>
-        </p:spPr>
-        <p:txBody>
-          <a:bodyPr wrap="none" rtlCol="0">
-            <a:spAutoFit/>
-          </a:bodyPr>
-          <a:lstStyle/>
-          <a:p>
-            <a:r>
-              <a:rPr lang="de-CH" sz="2400" dirty="0" smtClean="0">
-                <a:latin typeface="Times New Roman" panose="02020603050405020304" pitchFamily="18" charset="0"/>
-                <a:cs typeface="Times New Roman" panose="02020603050405020304" pitchFamily="18" charset="0"/>
-              </a:rPr>
-              <a:t>read</a:t>
-            </a:r>
-            <a:endParaRPr lang="de-CH" sz="2400" dirty="0">
-              <a:latin typeface="Times New Roman" panose="02020603050405020304" pitchFamily="18" charset="0"/>
-              <a:cs typeface="Times New Roman" panose="02020603050405020304" pitchFamily="18" charset="0"/>
-            </a:endParaRPr>
-          </a:p>
-        </p:txBody>
-      </p:sp>
-      <p:cxnSp>
-        <p:nvCxnSpPr>
-          <p:cNvPr id="105" name="Straight Arrow Connector 104"/>
+          <p:cNvPr id="120" name="Straight Arrow Connector 119"/>
           <p:cNvCxnSpPr/>
           <p:nvPr/>
         </p:nvCxnSpPr>
         <p:spPr>
-          <a:xfrm>
-            <a:off x="3774844" y="2213628"/>
-            <a:ext cx="874245" cy="1200654"/>
+          <a:xfrm flipH="1" flipV="1">
+            <a:off x="6280341" y="2331954"/>
+            <a:ext cx="752813" cy="1068718"/>
           </a:xfrm>
           <a:prstGeom prst="straightConnector1">
             <a:avLst/>
@@ -5152,14 +4823,16 @@
       </p:cxnSp>
       <p:cxnSp>
         <p:nvCxnSpPr>
-          <p:cNvPr id="109" name="Straight Arrow Connector 108"/>
-          <p:cNvCxnSpPr/>
+          <p:cNvPr id="121" name="Straight Arrow Connector 120"/>
+          <p:cNvCxnSpPr>
+            <a:stCxn id="84" idx="4"/>
+          </p:cNvCxnSpPr>
           <p:nvPr/>
         </p:nvCxnSpPr>
         <p:spPr>
           <a:xfrm>
-            <a:off x="6150987" y="2371762"/>
-            <a:ext cx="719635" cy="1042520"/>
+            <a:off x="5859488" y="2351170"/>
+            <a:ext cx="656728" cy="1077288"/>
           </a:xfrm>
           <a:prstGeom prst="straightConnector1">
             <a:avLst/>
@@ -5189,20 +4862,22 @@
       </p:cxnSp>
       <p:sp>
         <p:nvSpPr>
-          <p:cNvPr id="33" name="Oval 32"/>
+          <p:cNvPr id="122" name="Rectangle 121"/>
           <p:cNvSpPr/>
           <p:nvPr/>
         </p:nvSpPr>
         <p:spPr>
           <a:xfrm>
-            <a:off x="5007658" y="341420"/>
-            <a:ext cx="2029301" cy="2016224"/>
-          </a:xfrm>
-          <a:prstGeom prst="ellipse">
+            <a:off x="6020436" y="3428458"/>
+            <a:ext cx="1985425" cy="2904244"/>
+          </a:xfrm>
+          <a:prstGeom prst="rect">
             <a:avLst/>
           </a:prstGeom>
           <a:solidFill>
-            <a:schemeClr val="bg2"/>
+            <a:schemeClr val="bg1">
+              <a:lumMod val="95000"/>
+            </a:schemeClr>
           </a:solidFill>
           <a:ln>
             <a:solidFill>
@@ -5237,14 +4912,14 @@
       </p:sp>
       <p:sp>
         <p:nvSpPr>
-          <p:cNvPr id="35" name="TextBox 34"/>
+          <p:cNvPr id="123" name="TextBox 122"/>
           <p:cNvSpPr txBox="1"/>
           <p:nvPr/>
         </p:nvSpPr>
         <p:spPr>
           <a:xfrm>
-            <a:off x="4987679" y="1057144"/>
-            <a:ext cx="1989647" cy="538609"/>
+            <a:off x="6118130" y="5889573"/>
+            <a:ext cx="1789272" cy="461665"/>
           </a:xfrm>
           <a:prstGeom prst="rect">
             <a:avLst/>
@@ -5258,48 +4933,25 @@
           <a:lstStyle/>
           <a:p>
             <a:r>
-              <a:rPr lang="de-CH" sz="2900" dirty="0" smtClean="0">
+              <a:rPr lang="de-CH" sz="2400" dirty="0">
                 <a:latin typeface="Times New Roman" panose="02020603050405020304" pitchFamily="18" charset="0"/>
                 <a:cs typeface="Times New Roman" panose="02020603050405020304" pitchFamily="18" charset="0"/>
               </a:rPr>
-              <a:t>Controller 2</a:t>
-            </a:r>
-            <a:endParaRPr lang="de-CH" sz="2900" dirty="0">
-              <a:latin typeface="Times New Roman" panose="02020603050405020304" pitchFamily="18" charset="0"/>
-              <a:cs typeface="Times New Roman" panose="02020603050405020304" pitchFamily="18" charset="0"/>
-            </a:endParaRPr>
-          </a:p>
-        </p:txBody>
-      </p:sp>
-      <p:sp>
-        <p:nvSpPr>
-          <p:cNvPr id="113" name="TextBox 112"/>
-          <p:cNvSpPr txBox="1"/>
-          <p:nvPr/>
-        </p:nvSpPr>
-        <p:spPr>
-          <a:xfrm>
-            <a:off x="6850044" y="2502005"/>
-            <a:ext cx="1157689" cy="461665"/>
-          </a:xfrm>
-          <a:prstGeom prst="rect">
-            <a:avLst/>
-          </a:prstGeom>
-          <a:noFill/>
-        </p:spPr>
-        <p:txBody>
-          <a:bodyPr wrap="none" rtlCol="0">
-            <a:spAutoFit/>
-          </a:bodyPr>
-          <a:lstStyle/>
-          <a:p>
-            <a:pPr algn="ctr"/>
+              <a:t>3</a:t>
+            </a:r>
             <a:r>
               <a:rPr lang="de-CH" sz="2400" dirty="0" smtClean="0">
                 <a:latin typeface="Times New Roman" panose="02020603050405020304" pitchFamily="18" charset="0"/>
                 <a:cs typeface="Times New Roman" panose="02020603050405020304" pitchFamily="18" charset="0"/>
               </a:rPr>
-              <a:t>Failure!</a:t>
+              <a:t> </a:t>
+            </a:r>
+            <a:r>
+              <a:rPr lang="de-CH" sz="2400" dirty="0" smtClean="0">
+                <a:latin typeface="Times New Roman" panose="02020603050405020304" pitchFamily="18" charset="0"/>
+                <a:cs typeface="Times New Roman" panose="02020603050405020304" pitchFamily="18" charset="0"/>
+              </a:rPr>
+              <a:t>left, 2 right</a:t>
             </a:r>
             <a:endParaRPr lang="de-CH" sz="2400" dirty="0">
               <a:latin typeface="Times New Roman" panose="02020603050405020304" pitchFamily="18" charset="0"/>
@@ -5310,197 +4962,63 @@
       </p:sp>
       <p:sp>
         <p:nvSpPr>
-          <p:cNvPr id="115" name="TextBox 114"/>
-          <p:cNvSpPr txBox="1"/>
+          <p:cNvPr id="124" name="Freeform 123"/>
+          <p:cNvSpPr/>
           <p:nvPr/>
         </p:nvSpPr>
         <p:spPr>
           <a:xfrm>
-            <a:off x="4442101" y="2398619"/>
-            <a:ext cx="1843774" cy="830997"/>
-          </a:xfrm>
-          <a:prstGeom prst="rect">
+            <a:off x="6279332" y="3866920"/>
+            <a:ext cx="720684" cy="1806767"/>
+          </a:xfrm>
+          <a:custGeom>
             <a:avLst/>
-          </a:prstGeom>
+            <a:gdLst>
+              <a:gd name="connsiteX0" fmla="*/ 903983 w 903983"/>
+              <a:gd name="connsiteY0" fmla="*/ 0 h 1806767"/>
+              <a:gd name="connsiteX1" fmla="*/ 600 w 903983"/>
+              <a:gd name="connsiteY1" fmla="*/ 837282 h 1806767"/>
+              <a:gd name="connsiteX2" fmla="*/ 793815 w 903983"/>
+              <a:gd name="connsiteY2" fmla="*/ 1806767 h 1806767"/>
+            </a:gdLst>
+            <a:ahLst/>
+            <a:cxnLst>
+              <a:cxn ang="0">
+                <a:pos x="connsiteX0" y="connsiteY0"/>
+              </a:cxn>
+              <a:cxn ang="0">
+                <a:pos x="connsiteX1" y="connsiteY1"/>
+              </a:cxn>
+              <a:cxn ang="0">
+                <a:pos x="connsiteX2" y="connsiteY2"/>
+              </a:cxn>
+            </a:cxnLst>
+            <a:rect l="l" t="t" r="r" b="b"/>
+            <a:pathLst>
+              <a:path w="903983" h="1806767">
+                <a:moveTo>
+                  <a:pt x="903983" y="0"/>
+                </a:moveTo>
+                <a:cubicBezTo>
+                  <a:pt x="461472" y="268077"/>
+                  <a:pt x="18961" y="536154"/>
+                  <a:pt x="600" y="837282"/>
+                </a:cubicBezTo>
+                <a:cubicBezTo>
+                  <a:pt x="-17761" y="1138410"/>
+                  <a:pt x="388027" y="1472588"/>
+                  <a:pt x="793815" y="1806767"/>
+                </a:cubicBezTo>
+              </a:path>
+            </a:pathLst>
+          </a:custGeom>
           <a:noFill/>
-        </p:spPr>
-        <p:txBody>
-          <a:bodyPr wrap="none" rtlCol="0">
-            <a:spAutoFit/>
-          </a:bodyPr>
-          <a:lstStyle/>
-          <a:p>
-            <a:pPr algn="ctr"/>
-            <a:r>
-              <a:rPr lang="de-CH" sz="2400" dirty="0">
-                <a:latin typeface="Times New Roman" panose="02020603050405020304" pitchFamily="18" charset="0"/>
-                <a:cs typeface="Times New Roman" panose="02020603050405020304" pitchFamily="18" charset="0"/>
-              </a:rPr>
-              <a:t>i</a:t>
-            </a:r>
-            <a:r>
-              <a:rPr lang="de-CH" sz="2400" dirty="0" smtClean="0">
-                <a:latin typeface="Times New Roman" panose="02020603050405020304" pitchFamily="18" charset="0"/>
-                <a:cs typeface="Times New Roman" panose="02020603050405020304" pitchFamily="18" charset="0"/>
-              </a:rPr>
-              <a:t>nstall with</a:t>
-            </a:r>
-          </a:p>
-          <a:p>
-            <a:pPr algn="ctr"/>
-            <a:r>
-              <a:rPr lang="de-CH" sz="2400" dirty="0" smtClean="0">
-                <a:latin typeface="Times New Roman" panose="02020603050405020304" pitchFamily="18" charset="0"/>
-                <a:cs typeface="Times New Roman" panose="02020603050405020304" pitchFamily="18" charset="0"/>
-              </a:rPr>
-              <a:t>CAS(pid,1,2)</a:t>
-            </a:r>
-            <a:endParaRPr lang="de-CH" sz="2400" dirty="0">
-              <a:latin typeface="Times New Roman" panose="02020603050405020304" pitchFamily="18" charset="0"/>
-              <a:cs typeface="Times New Roman" panose="02020603050405020304" pitchFamily="18" charset="0"/>
-            </a:endParaRPr>
-          </a:p>
-        </p:txBody>
-      </p:sp>
-      <p:sp>
-        <p:nvSpPr>
-          <p:cNvPr id="51" name="TextBox 50"/>
-          <p:cNvSpPr txBox="1"/>
-          <p:nvPr/>
-        </p:nvSpPr>
-        <p:spPr>
-          <a:xfrm>
-            <a:off x="1606849" y="3426362"/>
-            <a:ext cx="904415" cy="461665"/>
-          </a:xfrm>
-          <a:prstGeom prst="rect">
-            <a:avLst/>
-          </a:prstGeom>
-          <a:noFill/>
-        </p:spPr>
-        <p:txBody>
-          <a:bodyPr wrap="none" rtlCol="0">
-            <a:spAutoFit/>
-          </a:bodyPr>
-          <a:lstStyle/>
-          <a:p>
-            <a:r>
-              <a:rPr lang="de-CH" sz="2400" dirty="0">
-                <a:latin typeface="Times New Roman" panose="02020603050405020304" pitchFamily="18" charset="0"/>
-                <a:cs typeface="Times New Roman" panose="02020603050405020304" pitchFamily="18" charset="0"/>
-              </a:rPr>
-              <a:t>p</a:t>
-            </a:r>
-            <a:r>
-              <a:rPr lang="de-CH" sz="2400" dirty="0" smtClean="0">
-                <a:latin typeface="Times New Roman" panose="02020603050405020304" pitchFamily="18" charset="0"/>
-                <a:cs typeface="Times New Roman" panose="02020603050405020304" pitchFamily="18" charset="0"/>
-              </a:rPr>
-              <a:t>id=1</a:t>
-            </a:r>
-            <a:endParaRPr lang="de-CH" sz="2400" dirty="0">
-              <a:latin typeface="Times New Roman" panose="02020603050405020304" pitchFamily="18" charset="0"/>
-              <a:cs typeface="Times New Roman" panose="02020603050405020304" pitchFamily="18" charset="0"/>
-            </a:endParaRPr>
-          </a:p>
-        </p:txBody>
-      </p:sp>
-      <p:sp>
-        <p:nvSpPr>
-          <p:cNvPr id="52" name="TextBox 51"/>
-          <p:cNvSpPr txBox="1"/>
-          <p:nvPr/>
-        </p:nvSpPr>
-        <p:spPr>
-          <a:xfrm>
-            <a:off x="3774844" y="3435474"/>
-            <a:ext cx="904415" cy="461665"/>
-          </a:xfrm>
-          <a:prstGeom prst="rect">
-            <a:avLst/>
-          </a:prstGeom>
-          <a:noFill/>
-        </p:spPr>
-        <p:txBody>
-          <a:bodyPr wrap="none" rtlCol="0">
-            <a:spAutoFit/>
-          </a:bodyPr>
-          <a:lstStyle/>
-          <a:p>
-            <a:r>
-              <a:rPr lang="de-CH" sz="2400" dirty="0" smtClean="0">
-                <a:latin typeface="Times New Roman" panose="02020603050405020304" pitchFamily="18" charset="0"/>
-                <a:cs typeface="Times New Roman" panose="02020603050405020304" pitchFamily="18" charset="0"/>
-              </a:rPr>
-              <a:t>pid=2</a:t>
-            </a:r>
-            <a:endParaRPr lang="de-CH" sz="2400" dirty="0">
-              <a:latin typeface="Times New Roman" panose="02020603050405020304" pitchFamily="18" charset="0"/>
-              <a:cs typeface="Times New Roman" panose="02020603050405020304" pitchFamily="18" charset="0"/>
-            </a:endParaRPr>
-          </a:p>
-        </p:txBody>
-      </p:sp>
-      <p:cxnSp>
-        <p:nvCxnSpPr>
-          <p:cNvPr id="55" name="Straight Arrow Connector 54"/>
-          <p:cNvCxnSpPr/>
-          <p:nvPr/>
-        </p:nvCxnSpPr>
-        <p:spPr>
-          <a:xfrm flipH="1" flipV="1">
-            <a:off x="6431772" y="2279758"/>
-            <a:ext cx="752813" cy="1068718"/>
-          </a:xfrm>
-          <a:prstGeom prst="straightConnector1">
-            <a:avLst/>
-          </a:prstGeom>
-          <a:ln w="28575">
+          <a:ln w="76200">
             <a:solidFill>
               <a:schemeClr val="tx1"/>
             </a:solidFill>
-            <a:prstDash val="sysDot"/>
-            <a:tailEnd type="arrow"/>
-          </a:ln>
-        </p:spPr>
-        <p:style>
-          <a:lnRef idx="1">
-            <a:schemeClr val="accent1"/>
-          </a:lnRef>
-          <a:fillRef idx="0">
-            <a:schemeClr val="accent1"/>
-          </a:fillRef>
-          <a:effectRef idx="0">
-            <a:schemeClr val="accent1"/>
-          </a:effectRef>
-          <a:fontRef idx="minor">
-            <a:schemeClr val="tx1"/>
-          </a:fontRef>
-        </p:style>
-      </p:cxnSp>
-      <p:sp>
-        <p:nvSpPr>
-          <p:cNvPr id="64" name="Rectangle 63"/>
-          <p:cNvSpPr/>
-          <p:nvPr/>
-        </p:nvSpPr>
-        <p:spPr>
-          <a:xfrm>
-            <a:off x="5912669" y="3435474"/>
-            <a:ext cx="1985425" cy="2904244"/>
-          </a:xfrm>
-          <a:prstGeom prst="rect">
-            <a:avLst/>
-          </a:prstGeom>
-          <a:solidFill>
-            <a:schemeClr val="bg1">
-              <a:lumMod val="95000"/>
-            </a:schemeClr>
-          </a:solidFill>
-          <a:ln>
-            <a:solidFill>
-              <a:schemeClr val="tx1"/>
-            </a:solidFill>
+            <a:headEnd type="none" w="med" len="med"/>
+            <a:tailEnd type="arrow" w="med" len="med"/>
           </a:ln>
         </p:spPr>
         <p:style>
@@ -5530,24 +5048,24 @@
       </p:sp>
       <p:sp>
         <p:nvSpPr>
-          <p:cNvPr id="65" name="Freeform 64"/>
+          <p:cNvPr id="125" name="Freeform 124"/>
           <p:cNvSpPr/>
           <p:nvPr/>
         </p:nvSpPr>
         <p:spPr>
-          <a:xfrm>
-            <a:off x="6276310" y="3908658"/>
-            <a:ext cx="510604" cy="1751682"/>
+          <a:xfrm flipH="1">
+            <a:off x="7042024" y="3866920"/>
+            <a:ext cx="754986" cy="1806767"/>
           </a:xfrm>
           <a:custGeom>
             <a:avLst/>
             <a:gdLst>
-              <a:gd name="connsiteX0" fmla="*/ 473725 w 473725"/>
-              <a:gd name="connsiteY0" fmla="*/ 0 h 1751682"/>
-              <a:gd name="connsiteX1" fmla="*/ 0 w 473725"/>
-              <a:gd name="connsiteY1" fmla="*/ 859316 h 1751682"/>
-              <a:gd name="connsiteX2" fmla="*/ 473725 w 473725"/>
-              <a:gd name="connsiteY2" fmla="*/ 1751682 h 1751682"/>
+              <a:gd name="connsiteX0" fmla="*/ 903983 w 903983"/>
+              <a:gd name="connsiteY0" fmla="*/ 0 h 1806767"/>
+              <a:gd name="connsiteX1" fmla="*/ 600 w 903983"/>
+              <a:gd name="connsiteY1" fmla="*/ 837282 h 1806767"/>
+              <a:gd name="connsiteX2" fmla="*/ 793815 w 903983"/>
+              <a:gd name="connsiteY2" fmla="*/ 1806767 h 1806767"/>
             </a:gdLst>
             <a:ahLst/>
             <a:cxnLst>
@@ -5563,25 +5081,25 @@
             </a:cxnLst>
             <a:rect l="l" t="t" r="r" b="b"/>
             <a:pathLst>
-              <a:path w="473725" h="1751682">
+              <a:path w="903983" h="1806767">
                 <a:moveTo>
-                  <a:pt x="473725" y="0"/>
+                  <a:pt x="903983" y="0"/>
                 </a:moveTo>
                 <a:cubicBezTo>
-                  <a:pt x="236862" y="283684"/>
-                  <a:pt x="0" y="567369"/>
-                  <a:pt x="0" y="859316"/>
+                  <a:pt x="461472" y="268077"/>
+                  <a:pt x="18961" y="536154"/>
+                  <a:pt x="600" y="837282"/>
                 </a:cubicBezTo>
                 <a:cubicBezTo>
-                  <a:pt x="0" y="1151263"/>
-                  <a:pt x="236862" y="1451472"/>
-                  <a:pt x="473725" y="1751682"/>
+                  <a:pt x="-17761" y="1138410"/>
+                  <a:pt x="388027" y="1472588"/>
+                  <a:pt x="793815" y="1806767"/>
                 </a:cubicBezTo>
               </a:path>
             </a:pathLst>
           </a:custGeom>
           <a:noFill/>
-          <a:ln>
+          <a:ln w="57150">
             <a:solidFill>
               <a:schemeClr val="tx1"/>
             </a:solidFill>
@@ -5616,63 +5134,28 @@
       </p:sp>
       <p:sp>
         <p:nvSpPr>
-          <p:cNvPr id="66" name="Freeform 65"/>
+          <p:cNvPr id="126" name="Oval 125"/>
           <p:cNvSpPr/>
           <p:nvPr/>
         </p:nvSpPr>
         <p:spPr>
-          <a:xfrm flipH="1">
-            <a:off x="7049015" y="3923891"/>
-            <a:ext cx="621958" cy="1751682"/>
-          </a:xfrm>
-          <a:custGeom>
+          <a:xfrm>
+            <a:off x="6894681" y="5588521"/>
+            <a:ext cx="288032" cy="319390"/>
+          </a:xfrm>
+          <a:prstGeom prst="ellipse">
             <a:avLst/>
-            <a:gdLst>
-              <a:gd name="connsiteX0" fmla="*/ 473725 w 473725"/>
-              <a:gd name="connsiteY0" fmla="*/ 0 h 1751682"/>
-              <a:gd name="connsiteX1" fmla="*/ 0 w 473725"/>
-              <a:gd name="connsiteY1" fmla="*/ 859316 h 1751682"/>
-              <a:gd name="connsiteX2" fmla="*/ 473725 w 473725"/>
-              <a:gd name="connsiteY2" fmla="*/ 1751682 h 1751682"/>
-            </a:gdLst>
-            <a:ahLst/>
-            <a:cxnLst>
-              <a:cxn ang="0">
-                <a:pos x="connsiteX0" y="connsiteY0"/>
-              </a:cxn>
-              <a:cxn ang="0">
-                <a:pos x="connsiteX1" y="connsiteY1"/>
-              </a:cxn>
-              <a:cxn ang="0">
-                <a:pos x="connsiteX2" y="connsiteY2"/>
-              </a:cxn>
-            </a:cxnLst>
-            <a:rect l="l" t="t" r="r" b="b"/>
-            <a:pathLst>
-              <a:path w="473725" h="1751682">
-                <a:moveTo>
-                  <a:pt x="473725" y="0"/>
-                </a:moveTo>
-                <a:cubicBezTo>
-                  <a:pt x="236862" y="283684"/>
-                  <a:pt x="0" y="567369"/>
-                  <a:pt x="0" y="859316"/>
-                </a:cubicBezTo>
-                <a:cubicBezTo>
-                  <a:pt x="0" y="1151263"/>
-                  <a:pt x="236862" y="1451472"/>
-                  <a:pt x="473725" y="1751682"/>
-                </a:cubicBezTo>
-              </a:path>
-            </a:pathLst>
-          </a:custGeom>
-          <a:noFill/>
+          </a:prstGeom>
+          <a:solidFill>
+            <a:schemeClr val="tx1">
+              <a:lumMod val="75000"/>
+              <a:lumOff val="25000"/>
+            </a:schemeClr>
+          </a:solidFill>
           <a:ln>
             <a:solidFill>
               <a:schemeClr val="tx1"/>
             </a:solidFill>
-            <a:headEnd type="none" w="med" len="med"/>
-            <a:tailEnd type="arrow" w="med" len="med"/>
           </a:ln>
         </p:spPr>
         <p:style>
@@ -5702,63 +5185,28 @@
       </p:sp>
       <p:sp>
         <p:nvSpPr>
-          <p:cNvPr id="67" name="Freeform 66"/>
+          <p:cNvPr id="127" name="Oval 126"/>
           <p:cNvSpPr/>
           <p:nvPr/>
         </p:nvSpPr>
         <p:spPr>
-          <a:xfrm flipH="1">
-            <a:off x="7032255" y="3923891"/>
-            <a:ext cx="469558" cy="1751682"/>
-          </a:xfrm>
-          <a:custGeom>
+          <a:xfrm>
+            <a:off x="6868750" y="3716313"/>
+            <a:ext cx="288032" cy="319390"/>
+          </a:xfrm>
+          <a:prstGeom prst="ellipse">
             <a:avLst/>
-            <a:gdLst>
-              <a:gd name="connsiteX0" fmla="*/ 473725 w 473725"/>
-              <a:gd name="connsiteY0" fmla="*/ 0 h 1751682"/>
-              <a:gd name="connsiteX1" fmla="*/ 0 w 473725"/>
-              <a:gd name="connsiteY1" fmla="*/ 859316 h 1751682"/>
-              <a:gd name="connsiteX2" fmla="*/ 473725 w 473725"/>
-              <a:gd name="connsiteY2" fmla="*/ 1751682 h 1751682"/>
-            </a:gdLst>
-            <a:ahLst/>
-            <a:cxnLst>
-              <a:cxn ang="0">
-                <a:pos x="connsiteX0" y="connsiteY0"/>
-              </a:cxn>
-              <a:cxn ang="0">
-                <a:pos x="connsiteX1" y="connsiteY1"/>
-              </a:cxn>
-              <a:cxn ang="0">
-                <a:pos x="connsiteX2" y="connsiteY2"/>
-              </a:cxn>
-            </a:cxnLst>
-            <a:rect l="l" t="t" r="r" b="b"/>
-            <a:pathLst>
-              <a:path w="473725" h="1751682">
-                <a:moveTo>
-                  <a:pt x="473725" y="0"/>
-                </a:moveTo>
-                <a:cubicBezTo>
-                  <a:pt x="236862" y="283684"/>
-                  <a:pt x="0" y="567369"/>
-                  <a:pt x="0" y="859316"/>
-                </a:cubicBezTo>
-                <a:cubicBezTo>
-                  <a:pt x="0" y="1151263"/>
-                  <a:pt x="236862" y="1451472"/>
-                  <a:pt x="473725" y="1751682"/>
-                </a:cubicBezTo>
-              </a:path>
-            </a:pathLst>
-          </a:custGeom>
-          <a:noFill/>
+          </a:prstGeom>
+          <a:solidFill>
+            <a:schemeClr val="tx1">
+              <a:lumMod val="75000"/>
+              <a:lumOff val="25000"/>
+            </a:schemeClr>
+          </a:solidFill>
           <a:ln>
             <a:solidFill>
               <a:schemeClr val="tx1"/>
             </a:solidFill>
-            <a:headEnd type="none" w="med" len="med"/>
-            <a:tailEnd type="arrow" w="med" len="med"/>
           </a:ln>
         </p:spPr>
         <p:style>
@@ -5786,465 +5234,10 @@
           </a:p>
         </p:txBody>
       </p:sp>
-      <p:sp>
-        <p:nvSpPr>
-          <p:cNvPr id="68" name="Freeform 67"/>
-          <p:cNvSpPr/>
-          <p:nvPr/>
-        </p:nvSpPr>
-        <p:spPr>
-          <a:xfrm>
-            <a:off x="6379212" y="3916967"/>
-            <a:ext cx="407702" cy="1751682"/>
-          </a:xfrm>
-          <a:custGeom>
-            <a:avLst/>
-            <a:gdLst>
-              <a:gd name="connsiteX0" fmla="*/ 473725 w 473725"/>
-              <a:gd name="connsiteY0" fmla="*/ 0 h 1751682"/>
-              <a:gd name="connsiteX1" fmla="*/ 0 w 473725"/>
-              <a:gd name="connsiteY1" fmla="*/ 859316 h 1751682"/>
-              <a:gd name="connsiteX2" fmla="*/ 473725 w 473725"/>
-              <a:gd name="connsiteY2" fmla="*/ 1751682 h 1751682"/>
-            </a:gdLst>
-            <a:ahLst/>
-            <a:cxnLst>
-              <a:cxn ang="0">
-                <a:pos x="connsiteX0" y="connsiteY0"/>
-              </a:cxn>
-              <a:cxn ang="0">
-                <a:pos x="connsiteX1" y="connsiteY1"/>
-              </a:cxn>
-              <a:cxn ang="0">
-                <a:pos x="connsiteX2" y="connsiteY2"/>
-              </a:cxn>
-            </a:cxnLst>
-            <a:rect l="l" t="t" r="r" b="b"/>
-            <a:pathLst>
-              <a:path w="473725" h="1751682">
-                <a:moveTo>
-                  <a:pt x="473725" y="0"/>
-                </a:moveTo>
-                <a:cubicBezTo>
-                  <a:pt x="236862" y="283684"/>
-                  <a:pt x="0" y="567369"/>
-                  <a:pt x="0" y="859316"/>
-                </a:cubicBezTo>
-                <a:cubicBezTo>
-                  <a:pt x="0" y="1151263"/>
-                  <a:pt x="236862" y="1451472"/>
-                  <a:pt x="473725" y="1751682"/>
-                </a:cubicBezTo>
-              </a:path>
-            </a:pathLst>
-          </a:custGeom>
-          <a:noFill/>
-          <a:ln>
-            <a:solidFill>
-              <a:schemeClr val="tx1"/>
-            </a:solidFill>
-            <a:headEnd type="none" w="med" len="med"/>
-            <a:tailEnd type="arrow" w="med" len="med"/>
-          </a:ln>
-        </p:spPr>
-        <p:style>
-          <a:lnRef idx="2">
-            <a:schemeClr val="accent1">
-              <a:shade val="50000"/>
-            </a:schemeClr>
-          </a:lnRef>
-          <a:fillRef idx="1">
-            <a:schemeClr val="accent1"/>
-          </a:fillRef>
-          <a:effectRef idx="0">
-            <a:schemeClr val="accent1"/>
-          </a:effectRef>
-          <a:fontRef idx="minor">
-            <a:schemeClr val="lt1"/>
-          </a:fontRef>
-        </p:style>
-        <p:txBody>
-          <a:bodyPr rtlCol="0" anchor="ctr"/>
-          <a:lstStyle/>
-          <a:p>
-            <a:pPr algn="ctr"/>
-            <a:endParaRPr lang="de-CH"/>
-          </a:p>
-        </p:txBody>
-      </p:sp>
-      <p:sp>
-        <p:nvSpPr>
-          <p:cNvPr id="69" name="Freeform 68"/>
-          <p:cNvSpPr/>
-          <p:nvPr/>
-        </p:nvSpPr>
-        <p:spPr>
-          <a:xfrm>
-            <a:off x="6132294" y="3908658"/>
-            <a:ext cx="628689" cy="1751682"/>
-          </a:xfrm>
-          <a:custGeom>
-            <a:avLst/>
-            <a:gdLst>
-              <a:gd name="connsiteX0" fmla="*/ 473725 w 473725"/>
-              <a:gd name="connsiteY0" fmla="*/ 0 h 1751682"/>
-              <a:gd name="connsiteX1" fmla="*/ 0 w 473725"/>
-              <a:gd name="connsiteY1" fmla="*/ 859316 h 1751682"/>
-              <a:gd name="connsiteX2" fmla="*/ 473725 w 473725"/>
-              <a:gd name="connsiteY2" fmla="*/ 1751682 h 1751682"/>
-            </a:gdLst>
-            <a:ahLst/>
-            <a:cxnLst>
-              <a:cxn ang="0">
-                <a:pos x="connsiteX0" y="connsiteY0"/>
-              </a:cxn>
-              <a:cxn ang="0">
-                <a:pos x="connsiteX1" y="connsiteY1"/>
-              </a:cxn>
-              <a:cxn ang="0">
-                <a:pos x="connsiteX2" y="connsiteY2"/>
-              </a:cxn>
-            </a:cxnLst>
-            <a:rect l="l" t="t" r="r" b="b"/>
-            <a:pathLst>
-              <a:path w="473725" h="1751682">
-                <a:moveTo>
-                  <a:pt x="473725" y="0"/>
-                </a:moveTo>
-                <a:cubicBezTo>
-                  <a:pt x="236862" y="283684"/>
-                  <a:pt x="0" y="567369"/>
-                  <a:pt x="0" y="859316"/>
-                </a:cubicBezTo>
-                <a:cubicBezTo>
-                  <a:pt x="0" y="1151263"/>
-                  <a:pt x="236862" y="1451472"/>
-                  <a:pt x="473725" y="1751682"/>
-                </a:cubicBezTo>
-              </a:path>
-            </a:pathLst>
-          </a:custGeom>
-          <a:noFill/>
-          <a:ln>
-            <a:solidFill>
-              <a:schemeClr val="tx1"/>
-            </a:solidFill>
-            <a:headEnd type="none" w="med" len="med"/>
-            <a:tailEnd type="arrow" w="med" len="med"/>
-          </a:ln>
-        </p:spPr>
-        <p:style>
-          <a:lnRef idx="2">
-            <a:schemeClr val="accent1">
-              <a:shade val="50000"/>
-            </a:schemeClr>
-          </a:lnRef>
-          <a:fillRef idx="1">
-            <a:schemeClr val="accent1"/>
-          </a:fillRef>
-          <a:effectRef idx="0">
-            <a:schemeClr val="accent1"/>
-          </a:effectRef>
-          <a:fontRef idx="minor">
-            <a:schemeClr val="lt1"/>
-          </a:fontRef>
-        </p:style>
-        <p:txBody>
-          <a:bodyPr rtlCol="0" anchor="ctr"/>
-          <a:lstStyle/>
-          <a:p>
-            <a:pPr algn="ctr"/>
-            <a:endParaRPr lang="de-CH"/>
-          </a:p>
-        </p:txBody>
-      </p:sp>
-      <p:sp>
-        <p:nvSpPr>
-          <p:cNvPr id="70" name="Oval 69"/>
-          <p:cNvSpPr/>
-          <p:nvPr/>
-        </p:nvSpPr>
-        <p:spPr>
-          <a:xfrm>
-            <a:off x="6760983" y="3723329"/>
-            <a:ext cx="288032" cy="319390"/>
-          </a:xfrm>
-          <a:prstGeom prst="ellipse">
-            <a:avLst/>
-          </a:prstGeom>
-          <a:solidFill>
-            <a:schemeClr val="tx1">
-              <a:lumMod val="75000"/>
-              <a:lumOff val="25000"/>
-            </a:schemeClr>
-          </a:solidFill>
-          <a:ln>
-            <a:solidFill>
-              <a:schemeClr val="tx1"/>
-            </a:solidFill>
-          </a:ln>
-        </p:spPr>
-        <p:style>
-          <a:lnRef idx="2">
-            <a:schemeClr val="accent1">
-              <a:shade val="50000"/>
-            </a:schemeClr>
-          </a:lnRef>
-          <a:fillRef idx="1">
-            <a:schemeClr val="accent1"/>
-          </a:fillRef>
-          <a:effectRef idx="0">
-            <a:schemeClr val="accent1"/>
-          </a:effectRef>
-          <a:fontRef idx="minor">
-            <a:schemeClr val="lt1"/>
-          </a:fontRef>
-        </p:style>
-        <p:txBody>
-          <a:bodyPr rtlCol="0" anchor="ctr"/>
-          <a:lstStyle/>
-          <a:p>
-            <a:pPr algn="ctr"/>
-            <a:endParaRPr lang="de-CH"/>
-          </a:p>
-        </p:txBody>
-      </p:sp>
-      <p:sp>
-        <p:nvSpPr>
-          <p:cNvPr id="71" name="Oval 70"/>
-          <p:cNvSpPr/>
-          <p:nvPr/>
-        </p:nvSpPr>
-        <p:spPr>
-          <a:xfrm>
-            <a:off x="6786914" y="5595537"/>
-            <a:ext cx="288032" cy="319390"/>
-          </a:xfrm>
-          <a:prstGeom prst="ellipse">
-            <a:avLst/>
-          </a:prstGeom>
-          <a:solidFill>
-            <a:schemeClr val="tx1">
-              <a:lumMod val="75000"/>
-              <a:lumOff val="25000"/>
-            </a:schemeClr>
-          </a:solidFill>
-          <a:ln>
-            <a:solidFill>
-              <a:schemeClr val="tx1"/>
-            </a:solidFill>
-          </a:ln>
-        </p:spPr>
-        <p:style>
-          <a:lnRef idx="2">
-            <a:schemeClr val="accent1">
-              <a:shade val="50000"/>
-            </a:schemeClr>
-          </a:lnRef>
-          <a:fillRef idx="1">
-            <a:schemeClr val="accent1"/>
-          </a:fillRef>
-          <a:effectRef idx="0">
-            <a:schemeClr val="accent1"/>
-          </a:effectRef>
-          <a:fontRef idx="minor">
-            <a:schemeClr val="lt1"/>
-          </a:fontRef>
-        </p:style>
-        <p:txBody>
-          <a:bodyPr rtlCol="0" anchor="ctr"/>
-          <a:lstStyle/>
-          <a:p>
-            <a:pPr algn="ctr"/>
-            <a:endParaRPr lang="de-CH"/>
-          </a:p>
-        </p:txBody>
-      </p:sp>
-      <p:sp>
-        <p:nvSpPr>
-          <p:cNvPr id="89" name="Oval 88"/>
-          <p:cNvSpPr/>
-          <p:nvPr/>
-        </p:nvSpPr>
-        <p:spPr>
-          <a:xfrm>
-            <a:off x="6132294" y="4640037"/>
-            <a:ext cx="288032" cy="319390"/>
-          </a:xfrm>
-          <a:prstGeom prst="ellipse">
-            <a:avLst/>
-          </a:prstGeom>
-          <a:solidFill>
-            <a:schemeClr val="tx1">
-              <a:lumMod val="75000"/>
-              <a:lumOff val="25000"/>
-            </a:schemeClr>
-          </a:solidFill>
-          <a:ln>
-            <a:solidFill>
-              <a:schemeClr val="tx1"/>
-            </a:solidFill>
-          </a:ln>
-        </p:spPr>
-        <p:style>
-          <a:lnRef idx="2">
-            <a:schemeClr val="accent1">
-              <a:shade val="50000"/>
-            </a:schemeClr>
-          </a:lnRef>
-          <a:fillRef idx="1">
-            <a:schemeClr val="accent1"/>
-          </a:fillRef>
-          <a:effectRef idx="0">
-            <a:schemeClr val="accent1"/>
-          </a:effectRef>
-          <a:fontRef idx="minor">
-            <a:schemeClr val="lt1"/>
-          </a:fontRef>
-        </p:style>
-        <p:txBody>
-          <a:bodyPr rtlCol="0" anchor="ctr"/>
-          <a:lstStyle/>
-          <a:p>
-            <a:pPr algn="ctr"/>
-            <a:endParaRPr lang="de-CH"/>
-          </a:p>
-        </p:txBody>
-      </p:sp>
-      <p:sp>
-        <p:nvSpPr>
-          <p:cNvPr id="90" name="Oval 89"/>
-          <p:cNvSpPr/>
-          <p:nvPr/>
-        </p:nvSpPr>
-        <p:spPr>
-          <a:xfrm>
-            <a:off x="7434976" y="4640037"/>
-            <a:ext cx="288032" cy="319390"/>
-          </a:xfrm>
-          <a:prstGeom prst="ellipse">
-            <a:avLst/>
-          </a:prstGeom>
-          <a:solidFill>
-            <a:schemeClr val="tx1">
-              <a:lumMod val="75000"/>
-              <a:lumOff val="25000"/>
-            </a:schemeClr>
-          </a:solidFill>
-          <a:ln>
-            <a:solidFill>
-              <a:schemeClr val="tx1"/>
-            </a:solidFill>
-          </a:ln>
-        </p:spPr>
-        <p:style>
-          <a:lnRef idx="2">
-            <a:schemeClr val="accent1">
-              <a:shade val="50000"/>
-            </a:schemeClr>
-          </a:lnRef>
-          <a:fillRef idx="1">
-            <a:schemeClr val="accent1"/>
-          </a:fillRef>
-          <a:effectRef idx="0">
-            <a:schemeClr val="accent1"/>
-          </a:effectRef>
-          <a:fontRef idx="minor">
-            <a:schemeClr val="lt1"/>
-          </a:fontRef>
-        </p:style>
-        <p:txBody>
-          <a:bodyPr rtlCol="0" anchor="ctr"/>
-          <a:lstStyle/>
-          <a:p>
-            <a:pPr algn="ctr"/>
-            <a:endParaRPr lang="de-CH"/>
-          </a:p>
-        </p:txBody>
-      </p:sp>
-      <p:sp>
-        <p:nvSpPr>
-          <p:cNvPr id="94" name="TextBox 93"/>
-          <p:cNvSpPr txBox="1"/>
-          <p:nvPr/>
-        </p:nvSpPr>
-        <p:spPr>
-          <a:xfrm>
-            <a:off x="6056200" y="5914927"/>
-            <a:ext cx="1789272" cy="461665"/>
-          </a:xfrm>
-          <a:prstGeom prst="rect">
-            <a:avLst/>
-          </a:prstGeom>
-          <a:noFill/>
-        </p:spPr>
-        <p:txBody>
-          <a:bodyPr wrap="none" rtlCol="0">
-            <a:spAutoFit/>
-          </a:bodyPr>
-          <a:lstStyle/>
-          <a:p>
-            <a:r>
-              <a:rPr lang="de-CH" sz="2400" dirty="0">
-                <a:latin typeface="Times New Roman" panose="02020603050405020304" pitchFamily="18" charset="0"/>
-                <a:cs typeface="Times New Roman" panose="02020603050405020304" pitchFamily="18" charset="0"/>
-              </a:rPr>
-              <a:t>3</a:t>
-            </a:r>
-            <a:r>
-              <a:rPr lang="de-CH" sz="2400" dirty="0" smtClean="0">
-                <a:latin typeface="Times New Roman" panose="02020603050405020304" pitchFamily="18" charset="0"/>
-                <a:cs typeface="Times New Roman" panose="02020603050405020304" pitchFamily="18" charset="0"/>
-              </a:rPr>
-              <a:t> left, 2 right</a:t>
-            </a:r>
-            <a:endParaRPr lang="de-CH" sz="2400" dirty="0">
-              <a:latin typeface="Times New Roman" panose="02020603050405020304" pitchFamily="18" charset="0"/>
-              <a:cs typeface="Times New Roman" panose="02020603050405020304" pitchFamily="18" charset="0"/>
-            </a:endParaRPr>
-          </a:p>
-        </p:txBody>
-      </p:sp>
-      <p:sp>
-        <p:nvSpPr>
-          <p:cNvPr id="95" name="TextBox 94"/>
-          <p:cNvSpPr txBox="1"/>
-          <p:nvPr/>
-        </p:nvSpPr>
-        <p:spPr>
-          <a:xfrm>
-            <a:off x="5912669" y="3436016"/>
-            <a:ext cx="904415" cy="461665"/>
-          </a:xfrm>
-          <a:prstGeom prst="rect">
-            <a:avLst/>
-          </a:prstGeom>
-          <a:noFill/>
-        </p:spPr>
-        <p:txBody>
-          <a:bodyPr wrap="none" rtlCol="0">
-            <a:spAutoFit/>
-          </a:bodyPr>
-          <a:lstStyle/>
-          <a:p>
-            <a:r>
-              <a:rPr lang="de-CH" sz="2400" dirty="0" smtClean="0">
-                <a:latin typeface="Times New Roman" panose="02020603050405020304" pitchFamily="18" charset="0"/>
-                <a:cs typeface="Times New Roman" panose="02020603050405020304" pitchFamily="18" charset="0"/>
-              </a:rPr>
-              <a:t>pid=2</a:t>
-            </a:r>
-            <a:endParaRPr lang="de-CH" sz="2400" dirty="0">
-              <a:latin typeface="Times New Roman" panose="02020603050405020304" pitchFamily="18" charset="0"/>
-              <a:cs typeface="Times New Roman" panose="02020603050405020304" pitchFamily="18" charset="0"/>
-            </a:endParaRPr>
-          </a:p>
-        </p:txBody>
-      </p:sp>
     </p:spTree>
     <p:extLst>
       <p:ext uri="{BB962C8B-B14F-4D97-AF65-F5344CB8AC3E}">
-        <p14:creationId xmlns:p14="http://schemas.microsoft.com/office/powerpoint/2010/main" val="3736916239"/>
+        <p14:creationId xmlns:p14="http://schemas.microsoft.com/office/powerpoint/2010/main" val="1054540220"/>
       </p:ext>
     </p:extLst>
   </p:cSld>
